--- a/Vendor_Boards/Microchip_PICDEM 2 plus_board_2010/tutorials/GCBASIC_Part6_Using_the_Reset.pptx
+++ b/Vendor_Boards/Microchip_PICDEM 2 plus_board_2010/tutorials/GCBASIC_Part6_Using_the_Reset.pptx
@@ -5,27 +5,28 @@
     <p:sldMasterId id="2147483660" r:id="rId1"/>
   </p:sldMasterIdLst>
   <p:notesMasterIdLst>
-    <p:notesMasterId r:id="rId17"/>
+    <p:notesMasterId r:id="rId18"/>
   </p:notesMasterIdLst>
   <p:handoutMasterIdLst>
-    <p:handoutMasterId r:id="rId18"/>
+    <p:handoutMasterId r:id="rId19"/>
   </p:handoutMasterIdLst>
   <p:sldIdLst>
-    <p:sldId id="294" r:id="rId2"/>
-    <p:sldId id="256" r:id="rId3"/>
-    <p:sldId id="295" r:id="rId4"/>
-    <p:sldId id="283" r:id="rId5"/>
-    <p:sldId id="296" r:id="rId6"/>
-    <p:sldId id="282" r:id="rId7"/>
-    <p:sldId id="291" r:id="rId8"/>
-    <p:sldId id="325" r:id="rId9"/>
-    <p:sldId id="301" r:id="rId10"/>
-    <p:sldId id="285" r:id="rId11"/>
-    <p:sldId id="326" r:id="rId12"/>
-    <p:sldId id="322" r:id="rId13"/>
-    <p:sldId id="288" r:id="rId14"/>
-    <p:sldId id="324" r:id="rId15"/>
-    <p:sldId id="323" r:id="rId16"/>
+    <p:sldId id="327" r:id="rId2"/>
+    <p:sldId id="328" r:id="rId3"/>
+    <p:sldId id="329" r:id="rId4"/>
+    <p:sldId id="330" r:id="rId5"/>
+    <p:sldId id="331" r:id="rId6"/>
+    <p:sldId id="332" r:id="rId7"/>
+    <p:sldId id="333" r:id="rId8"/>
+    <p:sldId id="334" r:id="rId9"/>
+    <p:sldId id="335" r:id="rId10"/>
+    <p:sldId id="336" r:id="rId11"/>
+    <p:sldId id="325" r:id="rId12"/>
+    <p:sldId id="326" r:id="rId13"/>
+    <p:sldId id="322" r:id="rId14"/>
+    <p:sldId id="288" r:id="rId15"/>
+    <p:sldId id="338" r:id="rId16"/>
+    <p:sldId id="337" r:id="rId17"/>
   </p:sldIdLst>
   <p:sldSz cx="9144000" cy="5143500" type="screen16x9"/>
   <p:notesSz cx="6858000" cy="9144000"/>
@@ -210,7 +211,7 @@
             <a:fld id="{742E545A-AB39-44F0-B5A6-04A90C6C9399}" type="datetimeFigureOut">
               <a:rPr lang="en-GB" smtClean="0"/>
               <a:pPr/>
-              <a:t>19/11/2024</a:t>
+              <a:t>25/01/2025</a:t>
             </a:fld>
             <a:endParaRPr lang="en-GB" dirty="0"/>
           </a:p>
@@ -377,7 +378,7 @@
             <a:fld id="{FF100B3C-2E11-428B-8555-A77018253716}" type="datetimeFigureOut">
               <a:rPr lang="en-GB" smtClean="0"/>
               <a:pPr/>
-              <a:t>19/11/2024</a:t>
+              <a:t>25/01/2025</a:t>
             </a:fld>
             <a:endParaRPr lang="en-GB" dirty="0"/>
           </a:p>
@@ -1292,7 +1293,7 @@
             <a:fld id="{C473AACB-D821-4991-9D88-46EB8D29E619}" type="datetimeFigureOut">
               <a:rPr lang="en-GB" smtClean="0"/>
               <a:pPr/>
-              <a:t>19/11/2024</a:t>
+              <a:t>25/01/2025</a:t>
             </a:fld>
             <a:endParaRPr lang="en-GB" dirty="0"/>
           </a:p>
@@ -1586,7 +1587,7 @@
             <a:fld id="{C473AACB-D821-4991-9D88-46EB8D29E619}" type="datetimeFigureOut">
               <a:rPr lang="en-GB" smtClean="0"/>
               <a:pPr/>
-              <a:t>19/11/2024</a:t>
+              <a:t>25/01/2025</a:t>
             </a:fld>
             <a:endParaRPr lang="en-GB" dirty="0"/>
           </a:p>
@@ -1839,7 +1840,7 @@
             <a:fld id="{C473AACB-D821-4991-9D88-46EB8D29E619}" type="datetimeFigureOut">
               <a:rPr lang="en-GB" smtClean="0"/>
               <a:pPr/>
-              <a:t>19/11/2024</a:t>
+              <a:t>25/01/2025</a:t>
             </a:fld>
             <a:endParaRPr lang="en-GB" dirty="0"/>
           </a:p>
@@ -2184,7 +2185,7 @@
             <a:fld id="{C473AACB-D821-4991-9D88-46EB8D29E619}" type="datetimeFigureOut">
               <a:rPr lang="en-GB" smtClean="0"/>
               <a:pPr/>
-              <a:t>19/11/2024</a:t>
+              <a:t>25/01/2025</a:t>
             </a:fld>
             <a:endParaRPr lang="en-GB" dirty="0"/>
           </a:p>
@@ -2556,7 +2557,7 @@
             <a:fld id="{C473AACB-D821-4991-9D88-46EB8D29E619}" type="datetimeFigureOut">
               <a:rPr lang="en-GB" smtClean="0"/>
               <a:pPr/>
-              <a:t>19/11/2024</a:t>
+              <a:t>25/01/2025</a:t>
             </a:fld>
             <a:endParaRPr lang="en-GB" dirty="0"/>
           </a:p>
@@ -2902,7 +2903,7 @@
             <a:fld id="{C473AACB-D821-4991-9D88-46EB8D29E619}" type="datetimeFigureOut">
               <a:rPr lang="en-GB" smtClean="0"/>
               <a:pPr/>
-              <a:t>19/11/2024</a:t>
+              <a:t>25/01/2025</a:t>
             </a:fld>
             <a:endParaRPr lang="en-GB" dirty="0"/>
           </a:p>
@@ -3326,7 +3327,7 @@
             <a:fld id="{C473AACB-D821-4991-9D88-46EB8D29E619}" type="datetimeFigureOut">
               <a:rPr lang="en-GB" smtClean="0"/>
               <a:pPr/>
-              <a:t>19/11/2024</a:t>
+              <a:t>25/01/2025</a:t>
             </a:fld>
             <a:endParaRPr lang="en-GB" dirty="0"/>
           </a:p>
@@ -3561,7 +3562,7 @@
             <a:fld id="{C473AACB-D821-4991-9D88-46EB8D29E619}" type="datetimeFigureOut">
               <a:rPr lang="en-GB" smtClean="0"/>
               <a:pPr/>
-              <a:t>19/11/2024</a:t>
+              <a:t>25/01/2025</a:t>
             </a:fld>
             <a:endParaRPr lang="en-GB" dirty="0"/>
           </a:p>
@@ -3772,7 +3773,7 @@
             <a:fld id="{C473AACB-D821-4991-9D88-46EB8D29E619}" type="datetimeFigureOut">
               <a:rPr lang="en-GB" smtClean="0"/>
               <a:pPr/>
-              <a:t>19/11/2024</a:t>
+              <a:t>25/01/2025</a:t>
             </a:fld>
             <a:endParaRPr lang="en-GB" dirty="0"/>
           </a:p>
@@ -3990,7 +3991,7 @@
             <a:fld id="{C473AACB-D821-4991-9D88-46EB8D29E619}" type="datetimeFigureOut">
               <a:rPr lang="en-GB" smtClean="0"/>
               <a:pPr/>
-              <a:t>19/11/2024</a:t>
+              <a:t>25/01/2025</a:t>
             </a:fld>
             <a:endParaRPr lang="en-GB" dirty="0"/>
           </a:p>
@@ -4805,7 +4806,7 @@
             <a:fld id="{C473AACB-D821-4991-9D88-46EB8D29E619}" type="datetimeFigureOut">
               <a:rPr lang="en-GB" smtClean="0"/>
               <a:pPr/>
-              <a:t>19/11/2024</a:t>
+              <a:t>25/01/2025</a:t>
             </a:fld>
             <a:endParaRPr lang="en-GB" dirty="0"/>
           </a:p>
@@ -5619,7 +5620,7 @@
             <a:fld id="{C473AACB-D821-4991-9D88-46EB8D29E619}" type="datetimeFigureOut">
               <a:rPr lang="en-GB" smtClean="0"/>
               <a:pPr/>
-              <a:t>19/11/2024</a:t>
+              <a:t>25/01/2025</a:t>
             </a:fld>
             <a:endParaRPr lang="en-GB" dirty="0"/>
           </a:p>
@@ -5868,7 +5869,7 @@
             <a:fld id="{C473AACB-D821-4991-9D88-46EB8D29E619}" type="datetimeFigureOut">
               <a:rPr lang="en-GB" smtClean="0"/>
               <a:pPr/>
-              <a:t>19/11/2024</a:t>
+              <a:t>25/01/2025</a:t>
             </a:fld>
             <a:endParaRPr lang="en-GB" dirty="0"/>
           </a:p>
@@ -6132,7 +6133,7 @@
             <a:fld id="{C473AACB-D821-4991-9D88-46EB8D29E619}" type="datetimeFigureOut">
               <a:rPr lang="en-GB" smtClean="0"/>
               <a:pPr/>
-              <a:t>19/11/2024</a:t>
+              <a:t>25/01/2025</a:t>
             </a:fld>
             <a:endParaRPr lang="en-GB" dirty="0"/>
           </a:p>
@@ -6572,7 +6573,7 @@
             <a:fld id="{C473AACB-D821-4991-9D88-46EB8D29E619}" type="datetimeFigureOut">
               <a:rPr lang="en-GB" smtClean="0"/>
               <a:pPr/>
-              <a:t>19/11/2024</a:t>
+              <a:t>25/01/2025</a:t>
             </a:fld>
             <a:endParaRPr lang="en-GB" dirty="0"/>
           </a:p>
@@ -6727,7 +6728,7 @@
             <a:fld id="{C473AACB-D821-4991-9D88-46EB8D29E619}" type="datetimeFigureOut">
               <a:rPr lang="en-GB" smtClean="0"/>
               <a:pPr/>
-              <a:t>19/11/2024</a:t>
+              <a:t>25/01/2025</a:t>
             </a:fld>
             <a:endParaRPr lang="en-GB" dirty="0"/>
           </a:p>
@@ -6824,7 +6825,7 @@
             <a:fld id="{C473AACB-D821-4991-9D88-46EB8D29E619}" type="datetimeFigureOut">
               <a:rPr lang="en-GB" smtClean="0"/>
               <a:pPr/>
-              <a:t>19/11/2024</a:t>
+              <a:t>25/01/2025</a:t>
             </a:fld>
             <a:endParaRPr lang="en-GB" dirty="0"/>
           </a:p>
@@ -7601,7 +7602,7 @@
             <a:fld id="{C473AACB-D821-4991-9D88-46EB8D29E619}" type="datetimeFigureOut">
               <a:rPr lang="en-GB" smtClean="0"/>
               <a:pPr/>
-              <a:t>19/11/2024</a:t>
+              <a:t>25/01/2025</a:t>
             </a:fld>
             <a:endParaRPr lang="en-GB" dirty="0"/>
           </a:p>
@@ -8170,7 +8171,7 @@
           <a:p>
             <a:r>
               <a:rPr lang="en-GB" dirty="0" smtClean="0"/>
-              <a:t>PIC18FxxQ24</a:t>
+              <a:t>PIC16Fxxxx chip Family ( Legacy )</a:t>
             </a:r>
           </a:p>
           <a:p>
@@ -8184,7 +8185,7 @@
     </p:spTree>
     <p:extLst>
       <p:ext uri="{BB962C8B-B14F-4D97-AF65-F5344CB8AC3E}">
-        <p14:creationId xmlns:p14="http://schemas.microsoft.com/office/powerpoint/2010/main" val="1934043723"/>
+        <p14:creationId xmlns:p14="http://schemas.microsoft.com/office/powerpoint/2010/main" val="2356362658"/>
       </p:ext>
     </p:extLst>
   </p:cSld>
@@ -8282,30 +8283,20 @@
             </a:r>
           </a:p>
           <a:p>
-            <a:r>
-              <a:rPr lang="en-GB" dirty="0" smtClean="0"/>
-              <a:t>Switches </a:t>
-            </a:r>
-            <a:r>
-              <a:rPr lang="en-GB" dirty="0" smtClean="0"/>
-              <a:t>&amp; resistors</a:t>
-            </a:r>
-          </a:p>
-          <a:p>
             <a:endParaRPr lang="en-GB" dirty="0"/>
           </a:p>
         </p:txBody>
       </p:sp>
       <p:sp>
         <p:nvSpPr>
-          <p:cNvPr id="4" name="TextBox 3"/>
+          <p:cNvPr id="5" name="TextBox 4"/>
           <p:cNvSpPr txBox="1"/>
           <p:nvPr/>
         </p:nvSpPr>
         <p:spPr>
           <a:xfrm>
-            <a:off x="2483768" y="1275606"/>
-            <a:ext cx="4968552" cy="3785652"/>
+            <a:off x="2206278" y="168176"/>
+            <a:ext cx="5328592" cy="4893647"/>
           </a:xfrm>
           <a:prstGeom prst="rect">
             <a:avLst/>
@@ -8334,16 +8325,21 @@
                 <a:latin typeface="Courier New" panose="02070309020205020404" pitchFamily="49" charset="0"/>
                 <a:cs typeface="Courier New" panose="02070309020205020404" pitchFamily="49" charset="0"/>
               </a:rPr>
-              <a:t>    -------------------PORTA----------------</a:t>
-            </a:r>
-          </a:p>
-          <a:p>
+              <a:t> </a:t>
+            </a:r>
+            <a:r>
+              <a:rPr lang="en-GB" sz="1200" b="1" dirty="0" smtClean="0">
+                <a:latin typeface="Courier New" panose="02070309020205020404" pitchFamily="49" charset="0"/>
+                <a:cs typeface="Courier New" panose="02070309020205020404" pitchFamily="49" charset="0"/>
+              </a:rPr>
+              <a:t>           ------------</a:t>
+            </a:r>
             <a:r>
               <a:rPr lang="en-GB" sz="1200" b="1" dirty="0">
                 <a:latin typeface="Courier New" panose="02070309020205020404" pitchFamily="49" charset="0"/>
                 <a:cs typeface="Courier New" panose="02070309020205020404" pitchFamily="49" charset="0"/>
               </a:rPr>
-              <a:t>    Bit#:  -7---6---5---4---3---2---1---0---</a:t>
+              <a:t>PORTA---------------</a:t>
             </a:r>
           </a:p>
           <a:p>
@@ -8352,21 +8348,30 @@
                 <a:latin typeface="Courier New" panose="02070309020205020404" pitchFamily="49" charset="0"/>
                 <a:cs typeface="Courier New" panose="02070309020205020404" pitchFamily="49" charset="0"/>
               </a:rPr>
-              <a:t>    IO:    </a:t>
+              <a:t>    Bit#:  -7---6---5---4---3---2---1---0---</a:t>
+            </a:r>
+          </a:p>
+          <a:p>
+            <a:r>
+              <a:rPr lang="en-GB" sz="1200" b="1" dirty="0">
+                <a:latin typeface="Courier New" panose="02070309020205020404" pitchFamily="49" charset="0"/>
+                <a:cs typeface="Courier New" panose="02070309020205020404" pitchFamily="49" charset="0"/>
+              </a:rPr>
+              <a:t>    IO:    </a:t>
             </a:r>
             <a:r>
               <a:rPr lang="en-GB" sz="1200" b="1" dirty="0" smtClean="0">
                 <a:latin typeface="Courier New" panose="02070309020205020404" pitchFamily="49" charset="0"/>
                 <a:cs typeface="Courier New" panose="02070309020205020404" pitchFamily="49" charset="0"/>
               </a:rPr>
-              <a:t>----------------SW----------ADC-</a:t>
+              <a:t>------------SW2-------------</a:t>
             </a:r>
             <a:r>
               <a:rPr lang="en-GB" sz="1200" b="1" dirty="0">
                 <a:latin typeface="Courier New" panose="02070309020205020404" pitchFamily="49" charset="0"/>
                 <a:cs typeface="Courier New" panose="02070309020205020404" pitchFamily="49" charset="0"/>
               </a:rPr>
-              <a:t>- </a:t>
+              <a:t>ADC--</a:t>
             </a:r>
           </a:p>
           <a:p>
@@ -8375,8 +8380,14 @@
                 <a:latin typeface="Courier New" panose="02070309020205020404" pitchFamily="49" charset="0"/>
                 <a:cs typeface="Courier New" panose="02070309020205020404" pitchFamily="49" charset="0"/>
               </a:rPr>
-              <a:t>    ----------------------------------------</a:t>
-            </a:r>
+              <a:t>    IO:    ---------------------------------</a:t>
+            </a:r>
+          </a:p>
+          <a:p>
+            <a:endParaRPr lang="en-GB" sz="1200" b="1" dirty="0">
+              <a:latin typeface="Courier New" panose="02070309020205020404" pitchFamily="49" charset="0"/>
+              <a:cs typeface="Courier New" panose="02070309020205020404" pitchFamily="49" charset="0"/>
+            </a:endParaRPr>
           </a:p>
           <a:p>
             <a:r>
@@ -8384,7 +8395,193 @@
                 <a:latin typeface="Courier New" panose="02070309020205020404" pitchFamily="49" charset="0"/>
                 <a:cs typeface="Courier New" panose="02070309020205020404" pitchFamily="49" charset="0"/>
               </a:rPr>
-              <a:t/>
+              <a:t>            ------------PORTB----------------</a:t>
+            </a:r>
+          </a:p>
+          <a:p>
+            <a:r>
+              <a:rPr lang="en-GB" sz="1200" b="1" dirty="0">
+                <a:latin typeface="Courier New" panose="02070309020205020404" pitchFamily="49" charset="0"/>
+                <a:cs typeface="Courier New" panose="02070309020205020404" pitchFamily="49" charset="0"/>
+              </a:rPr>
+              <a:t>    Bit#:  -7---6---5---4---3---2---1---0---</a:t>
+            </a:r>
+          </a:p>
+          <a:p>
+            <a:r>
+              <a:rPr lang="en-GB" sz="1200" b="1" dirty="0">
+                <a:latin typeface="Courier New" panose="02070309020205020404" pitchFamily="49" charset="0"/>
+                <a:cs typeface="Courier New" panose="02070309020205020404" pitchFamily="49" charset="0"/>
+              </a:rPr>
+              <a:t>    IO:    ----------------LED-LED-LED-LED--</a:t>
+            </a:r>
+          </a:p>
+          <a:p>
+            <a:r>
+              <a:rPr lang="en-GB" sz="1200" b="1" dirty="0">
+                <a:latin typeface="Courier New" panose="02070309020205020404" pitchFamily="49" charset="0"/>
+                <a:cs typeface="Courier New" panose="02070309020205020404" pitchFamily="49" charset="0"/>
+              </a:rPr>
+              <a:t>    IO:    ---------------------------------</a:t>
+            </a:r>
+          </a:p>
+          <a:p>
+            <a:endParaRPr lang="en-GB" sz="1200" b="1" dirty="0">
+              <a:latin typeface="Courier New" panose="02070309020205020404" pitchFamily="49" charset="0"/>
+              <a:cs typeface="Courier New" panose="02070309020205020404" pitchFamily="49" charset="0"/>
+            </a:endParaRPr>
+          </a:p>
+          <a:p>
+            <a:r>
+              <a:rPr lang="en-GB" sz="1200" b="1" dirty="0">
+                <a:latin typeface="Courier New" panose="02070309020205020404" pitchFamily="49" charset="0"/>
+                <a:cs typeface="Courier New" panose="02070309020205020404" pitchFamily="49" charset="0"/>
+              </a:rPr>
+              <a:t>            ------------PORTC----------------</a:t>
+            </a:r>
+          </a:p>
+          <a:p>
+            <a:r>
+              <a:rPr lang="en-GB" sz="1200" b="1" dirty="0">
+                <a:latin typeface="Courier New" panose="02070309020205020404" pitchFamily="49" charset="0"/>
+                <a:cs typeface="Courier New" panose="02070309020205020404" pitchFamily="49" charset="0"/>
+              </a:rPr>
+              <a:t>    Bit#:  -7---6---5---4---3---2---1---0---</a:t>
+            </a:r>
+          </a:p>
+          <a:p>
+            <a:r>
+              <a:rPr lang="en-GB" sz="1200" b="1" dirty="0">
+                <a:latin typeface="Courier New" panose="02070309020205020404" pitchFamily="49" charset="0"/>
+                <a:cs typeface="Courier New" panose="02070309020205020404" pitchFamily="49" charset="0"/>
+              </a:rPr>
+              <a:t>    IO:    </a:t>
+            </a:r>
+            <a:r>
+              <a:rPr lang="en-GB" sz="1200" b="1" dirty="0" smtClean="0">
+                <a:latin typeface="Courier New" panose="02070309020205020404" pitchFamily="49" charset="0"/>
+                <a:cs typeface="Courier New" panose="02070309020205020404" pitchFamily="49" charset="0"/>
+              </a:rPr>
+              <a:t>--------------------------------</a:t>
+            </a:r>
+            <a:endParaRPr lang="en-GB" sz="1200" b="1" dirty="0">
+              <a:latin typeface="Courier New" panose="02070309020205020404" pitchFamily="49" charset="0"/>
+              <a:cs typeface="Courier New" panose="02070309020205020404" pitchFamily="49" charset="0"/>
+            </a:endParaRPr>
+          </a:p>
+          <a:p>
+            <a:r>
+              <a:rPr lang="en-GB" sz="1200" b="1" dirty="0">
+                <a:latin typeface="Courier New" panose="02070309020205020404" pitchFamily="49" charset="0"/>
+                <a:cs typeface="Courier New" panose="02070309020205020404" pitchFamily="49" charset="0"/>
+              </a:rPr>
+              <a:t>    IO:    ---------------------------------</a:t>
+            </a:r>
+          </a:p>
+          <a:p>
+            <a:endParaRPr lang="en-GB" sz="1200" b="1" dirty="0">
+              <a:latin typeface="Courier New" panose="02070309020205020404" pitchFamily="49" charset="0"/>
+              <a:cs typeface="Courier New" panose="02070309020205020404" pitchFamily="49" charset="0"/>
+            </a:endParaRPr>
+          </a:p>
+          <a:p>
+            <a:r>
+              <a:rPr lang="en-GB" sz="1200" b="1" dirty="0">
+                <a:latin typeface="Courier New" panose="02070309020205020404" pitchFamily="49" charset="0"/>
+                <a:cs typeface="Courier New" panose="02070309020205020404" pitchFamily="49" charset="0"/>
+              </a:rPr>
+              <a:t>            ------------PORTD----------------</a:t>
+            </a:r>
+          </a:p>
+          <a:p>
+            <a:r>
+              <a:rPr lang="en-GB" sz="1200" b="1" dirty="0">
+                <a:latin typeface="Courier New" panose="02070309020205020404" pitchFamily="49" charset="0"/>
+                <a:cs typeface="Courier New" panose="02070309020205020404" pitchFamily="49" charset="0"/>
+              </a:rPr>
+              <a:t>    Bit#:  -7---6---5---4---3---2---1---0---</a:t>
+            </a:r>
+          </a:p>
+          <a:p>
+            <a:r>
+              <a:rPr lang="en-GB" sz="1200" b="1" dirty="0">
+                <a:latin typeface="Courier New" panose="02070309020205020404" pitchFamily="49" charset="0"/>
+                <a:cs typeface="Courier New" panose="02070309020205020404" pitchFamily="49" charset="0"/>
+              </a:rPr>
+              <a:t>    IO:    </a:t>
+            </a:r>
+            <a:r>
+              <a:rPr lang="en-GB" sz="1200" b="1" dirty="0" smtClean="0">
+                <a:latin typeface="Courier New" panose="02070309020205020404" pitchFamily="49" charset="0"/>
+                <a:cs typeface="Courier New" panose="02070309020205020404" pitchFamily="49" charset="0"/>
+              </a:rPr>
+              <a:t>--------------------------------</a:t>
+            </a:r>
+            <a:endParaRPr lang="en-GB" sz="1200" b="1" dirty="0">
+              <a:latin typeface="Courier New" panose="02070309020205020404" pitchFamily="49" charset="0"/>
+              <a:cs typeface="Courier New" panose="02070309020205020404" pitchFamily="49" charset="0"/>
+            </a:endParaRPr>
+          </a:p>
+          <a:p>
+            <a:r>
+              <a:rPr lang="en-GB" sz="1200" b="1" dirty="0">
+                <a:latin typeface="Courier New" panose="02070309020205020404" pitchFamily="49" charset="0"/>
+                <a:cs typeface="Courier New" panose="02070309020205020404" pitchFamily="49" charset="0"/>
+              </a:rPr>
+              <a:t>    IO:    ---------------------------------</a:t>
+            </a:r>
+          </a:p>
+          <a:p>
+            <a:endParaRPr lang="en-GB" sz="1200" b="1" dirty="0">
+              <a:latin typeface="Courier New" panose="02070309020205020404" pitchFamily="49" charset="0"/>
+              <a:cs typeface="Courier New" panose="02070309020205020404" pitchFamily="49" charset="0"/>
+            </a:endParaRPr>
+          </a:p>
+          <a:p>
+            <a:r>
+              <a:rPr lang="en-GB" sz="1200" b="1" dirty="0">
+                <a:latin typeface="Courier New" panose="02070309020205020404" pitchFamily="49" charset="0"/>
+                <a:cs typeface="Courier New" panose="02070309020205020404" pitchFamily="49" charset="0"/>
+              </a:rPr>
+              <a:t>            ------------PORTE----------------</a:t>
+            </a:r>
+          </a:p>
+          <a:p>
+            <a:r>
+              <a:rPr lang="en-GB" sz="1200" b="1" dirty="0">
+                <a:latin typeface="Courier New" panose="02070309020205020404" pitchFamily="49" charset="0"/>
+                <a:cs typeface="Courier New" panose="02070309020205020404" pitchFamily="49" charset="0"/>
+              </a:rPr>
+              <a:t>    Bit#:  -7---6---5---4---3---2---1---0---</a:t>
+            </a:r>
+          </a:p>
+          <a:p>
+            <a:r>
+              <a:rPr lang="en-GB" sz="1200" b="1" dirty="0">
+                <a:latin typeface="Courier New" panose="02070309020205020404" pitchFamily="49" charset="0"/>
+                <a:cs typeface="Courier New" panose="02070309020205020404" pitchFamily="49" charset="0"/>
+              </a:rPr>
+              <a:t>    IO:    </a:t>
+            </a:r>
+            <a:r>
+              <a:rPr lang="en-GB" sz="1200" b="1" dirty="0" smtClean="0">
+                <a:latin typeface="Courier New" panose="02070309020205020404" pitchFamily="49" charset="0"/>
+                <a:cs typeface="Courier New" panose="02070309020205020404" pitchFamily="49" charset="0"/>
+              </a:rPr>
+              <a:t>----------------RST---------------</a:t>
+            </a:r>
+            <a:endParaRPr lang="en-GB" sz="1200" b="1" dirty="0">
+              <a:latin typeface="Courier New" panose="02070309020205020404" pitchFamily="49" charset="0"/>
+              <a:cs typeface="Courier New" panose="02070309020205020404" pitchFamily="49" charset="0"/>
+            </a:endParaRPr>
+          </a:p>
+          <a:p>
+            <a:r>
+              <a:rPr lang="en-GB" sz="1200" b="1" dirty="0">
+                <a:latin typeface="Courier New" panose="02070309020205020404" pitchFamily="49" charset="0"/>
+                <a:cs typeface="Courier New" panose="02070309020205020404" pitchFamily="49" charset="0"/>
+              </a:rPr>
+              <a:t>    IO:    ---------------------------------</a:t>
             </a:r>
             <a:br>
               <a:rPr lang="en-GB" sz="1200" b="1" dirty="0">
@@ -8392,216 +8589,19 @@
                 <a:cs typeface="Courier New" panose="02070309020205020404" pitchFamily="49" charset="0"/>
               </a:rPr>
             </a:br>
-            <a:r>
-              <a:rPr lang="en-GB" sz="1200" b="1" dirty="0">
-                <a:latin typeface="Courier New" panose="02070309020205020404" pitchFamily="49" charset="0"/>
-                <a:cs typeface="Courier New" panose="02070309020205020404" pitchFamily="49" charset="0"/>
-              </a:rPr>
-              <a:t>    -------------------PORTB----------------</a:t>
-            </a:r>
-          </a:p>
-          <a:p>
-            <a:r>
-              <a:rPr lang="en-GB" sz="1200" b="1" dirty="0">
-                <a:latin typeface="Courier New" panose="02070309020205020404" pitchFamily="49" charset="0"/>
-                <a:cs typeface="Courier New" panose="02070309020205020404" pitchFamily="49" charset="0"/>
-              </a:rPr>
-              <a:t>    Bit#:  -7---6---5---4---3---2---1---0---</a:t>
-            </a:r>
-          </a:p>
-          <a:p>
-            <a:r>
-              <a:rPr lang="en-GB" sz="1200" b="1" dirty="0">
-                <a:latin typeface="Courier New" panose="02070309020205020404" pitchFamily="49" charset="0"/>
-                <a:cs typeface="Courier New" panose="02070309020205020404" pitchFamily="49" charset="0"/>
-              </a:rPr>
-              <a:t>    IO:    ----------------LED-LED-LED-LED--</a:t>
-            </a:r>
-          </a:p>
-          <a:p>
-            <a:r>
-              <a:rPr lang="en-GB" sz="1200" b="1" dirty="0">
-                <a:latin typeface="Courier New" panose="02070309020205020404" pitchFamily="49" charset="0"/>
-                <a:cs typeface="Courier New" panose="02070309020205020404" pitchFamily="49" charset="0"/>
-              </a:rPr>
-              <a:t>    ----------------------------------------</a:t>
-            </a:r>
-          </a:p>
-          <a:p>
-            <a:r>
-              <a:rPr lang="en-GB" sz="1200" b="1" dirty="0">
-                <a:latin typeface="Courier New" panose="02070309020205020404" pitchFamily="49" charset="0"/>
-                <a:cs typeface="Courier New" panose="02070309020205020404" pitchFamily="49" charset="0"/>
-              </a:rPr>
-              <a:t>    </a:t>
-            </a:r>
-          </a:p>
-          <a:p>
-            <a:r>
-              <a:rPr lang="en-GB" sz="1200" b="1" dirty="0">
-                <a:latin typeface="Courier New" panose="02070309020205020404" pitchFamily="49" charset="0"/>
-                <a:cs typeface="Courier New" panose="02070309020205020404" pitchFamily="49" charset="0"/>
-              </a:rPr>
-              <a:t>    ------------------PORTC-----------------</a:t>
-            </a:r>
-          </a:p>
-          <a:p>
-            <a:r>
-              <a:rPr lang="en-GB" sz="1200" b="1" dirty="0">
-                <a:latin typeface="Courier New" panose="02070309020205020404" pitchFamily="49" charset="0"/>
-                <a:cs typeface="Courier New" panose="02070309020205020404" pitchFamily="49" charset="0"/>
-              </a:rPr>
-              <a:t>    Bit#:  -X---6---5---4---3---2---1---0---</a:t>
-            </a:r>
-          </a:p>
-          <a:p>
-            <a:r>
-              <a:rPr lang="en-GB" sz="1200" b="1" dirty="0">
-                <a:latin typeface="Courier New" panose="02070309020205020404" pitchFamily="49" charset="0"/>
-                <a:cs typeface="Courier New" panose="02070309020205020404" pitchFamily="49" charset="0"/>
-              </a:rPr>
-              <a:t>    IO:    -^-------------------------------</a:t>
-            </a:r>
-          </a:p>
-          <a:p>
-            <a:r>
-              <a:rPr lang="en-GB" sz="1200" b="1" dirty="0">
-                <a:latin typeface="Courier New" panose="02070309020205020404" pitchFamily="49" charset="0"/>
-                <a:cs typeface="Courier New" panose="02070309020205020404" pitchFamily="49" charset="0"/>
-              </a:rPr>
-              <a:t>    -----VDDIO2----------------------------- </a:t>
-            </a:r>
-            <a:endParaRPr lang="en-GB" sz="1200" b="1" dirty="0" smtClean="0">
-              <a:latin typeface="Courier New" panose="02070309020205020404" pitchFamily="49" charset="0"/>
-              <a:cs typeface="Courier New" panose="02070309020205020404" pitchFamily="49" charset="0"/>
-            </a:endParaRPr>
-          </a:p>
-          <a:p>
-            <a:r>
-              <a:rPr lang="en-GB" sz="1200" b="1" dirty="0">
-                <a:latin typeface="Courier New" panose="02070309020205020404" pitchFamily="49" charset="0"/>
-                <a:cs typeface="Courier New" panose="02070309020205020404" pitchFamily="49" charset="0"/>
-              </a:rPr>
-              <a:t> </a:t>
-            </a:r>
-            <a:r>
-              <a:rPr lang="en-GB" sz="1200" b="1" dirty="0" smtClean="0">
-                <a:latin typeface="Courier New" panose="02070309020205020404" pitchFamily="49" charset="0"/>
-                <a:cs typeface="Courier New" panose="02070309020205020404" pitchFamily="49" charset="0"/>
-              </a:rPr>
-              <a:t>   You </a:t>
-            </a:r>
-            <a:r>
-              <a:rPr lang="en-GB" sz="1200" b="1" dirty="0">
-                <a:latin typeface="Courier New" panose="02070309020205020404" pitchFamily="49" charset="0"/>
-                <a:cs typeface="Courier New" panose="02070309020205020404" pitchFamily="49" charset="0"/>
-              </a:rPr>
-              <a:t>must apply correct </a:t>
-            </a:r>
-            <a:r>
-              <a:rPr lang="en-GB" sz="1200" b="1" dirty="0" smtClean="0">
-                <a:latin typeface="Courier New" panose="02070309020205020404" pitchFamily="49" charset="0"/>
-                <a:cs typeface="Courier New" panose="02070309020205020404" pitchFamily="49" charset="0"/>
-              </a:rPr>
-              <a:t>Voltage</a:t>
-            </a:r>
-          </a:p>
-          <a:p>
-            <a:r>
-              <a:rPr lang="en-GB" sz="1200" b="1" dirty="0" smtClean="0">
-                <a:latin typeface="Courier New" panose="02070309020205020404" pitchFamily="49" charset="0"/>
-                <a:cs typeface="Courier New" panose="02070309020205020404" pitchFamily="49" charset="0"/>
-              </a:rPr>
-              <a:t> </a:t>
-            </a:r>
-            <a:r>
-              <a:rPr lang="en-GB" sz="1200" b="1" dirty="0">
-                <a:latin typeface="Courier New" panose="02070309020205020404" pitchFamily="49" charset="0"/>
-                <a:cs typeface="Courier New" panose="02070309020205020404" pitchFamily="49" charset="0"/>
-              </a:rPr>
-              <a:t>  </a:t>
-            </a:r>
-          </a:p>
-          <a:p>
-            <a:r>
-              <a:rPr lang="en-GB" sz="1200" b="1" dirty="0">
-                <a:latin typeface="Courier New" panose="02070309020205020404" pitchFamily="49" charset="0"/>
-                <a:cs typeface="Courier New" panose="02070309020205020404" pitchFamily="49" charset="0"/>
-              </a:rPr>
-              <a:t>    ------------------</a:t>
-            </a:r>
-            <a:r>
-              <a:rPr lang="en-GB" sz="1200" b="1" dirty="0" smtClean="0">
-                <a:latin typeface="Courier New" panose="02070309020205020404" pitchFamily="49" charset="0"/>
-                <a:cs typeface="Courier New" panose="02070309020205020404" pitchFamily="49" charset="0"/>
-              </a:rPr>
-              <a:t>PORTE-</a:t>
-            </a:r>
-            <a:r>
-              <a:rPr lang="en-GB" sz="1200" b="1" dirty="0">
-                <a:latin typeface="Courier New" panose="02070309020205020404" pitchFamily="49" charset="0"/>
-                <a:cs typeface="Courier New" panose="02070309020205020404" pitchFamily="49" charset="0"/>
-              </a:rPr>
-              <a:t>----------------</a:t>
-            </a:r>
-          </a:p>
-          <a:p>
-            <a:r>
-              <a:rPr lang="en-GB" sz="1200" b="1" dirty="0">
-                <a:latin typeface="Courier New" panose="02070309020205020404" pitchFamily="49" charset="0"/>
-                <a:cs typeface="Courier New" panose="02070309020205020404" pitchFamily="49" charset="0"/>
-              </a:rPr>
-              <a:t>    Bit#:  </a:t>
-            </a:r>
-            <a:r>
-              <a:rPr lang="en-GB" sz="1200" b="1" dirty="0" smtClean="0">
-                <a:latin typeface="Courier New" panose="02070309020205020404" pitchFamily="49" charset="0"/>
-                <a:cs typeface="Courier New" panose="02070309020205020404" pitchFamily="49" charset="0"/>
-              </a:rPr>
-              <a:t>-----------------</a:t>
-            </a:r>
-            <a:r>
-              <a:rPr lang="en-GB" sz="1200" b="1" dirty="0">
-                <a:latin typeface="Courier New" panose="02070309020205020404" pitchFamily="49" charset="0"/>
-                <a:cs typeface="Courier New" panose="02070309020205020404" pitchFamily="49" charset="0"/>
-              </a:rPr>
-              <a:t>3-</a:t>
-            </a:r>
-            <a:r>
-              <a:rPr lang="en-GB" sz="1200" b="1" dirty="0" smtClean="0">
-                <a:latin typeface="Courier New" panose="02070309020205020404" pitchFamily="49" charset="0"/>
-                <a:cs typeface="Courier New" panose="02070309020205020404" pitchFamily="49" charset="0"/>
-              </a:rPr>
-              <a:t>--------------</a:t>
-            </a:r>
             <a:endParaRPr lang="en-GB" sz="1200" b="1" dirty="0">
               <a:latin typeface="Courier New" panose="02070309020205020404" pitchFamily="49" charset="0"/>
               <a:cs typeface="Courier New" panose="02070309020205020404" pitchFamily="49" charset="0"/>
             </a:endParaRPr>
           </a:p>
-          <a:p>
-            <a:r>
-              <a:rPr lang="en-GB" sz="1200" b="1" dirty="0">
-                <a:latin typeface="Courier New" panose="02070309020205020404" pitchFamily="49" charset="0"/>
-                <a:cs typeface="Courier New" panose="02070309020205020404" pitchFamily="49" charset="0"/>
-              </a:rPr>
-              <a:t>    IO:    </a:t>
-            </a:r>
-            <a:r>
-              <a:rPr lang="en-GB" sz="1200" b="1" dirty="0" smtClean="0">
-                <a:latin typeface="Courier New" panose="02070309020205020404" pitchFamily="49" charset="0"/>
-                <a:cs typeface="Courier New" panose="02070309020205020404" pitchFamily="49" charset="0"/>
-              </a:rPr>
-              <a:t>-^--------------SW---------------</a:t>
-            </a:r>
-            <a:endParaRPr lang="en-GB" sz="1200" b="1" dirty="0">
-              <a:latin typeface="Courier New" panose="02070309020205020404" pitchFamily="49" charset="0"/>
-              <a:cs typeface="Courier New" panose="02070309020205020404" pitchFamily="49" charset="0"/>
-            </a:endParaRPr>
-          </a:p>
         </p:txBody>
       </p:sp>
     </p:spTree>
+    <p:extLst>
+      <p:ext uri="{BB962C8B-B14F-4D97-AF65-F5344CB8AC3E}">
+        <p14:creationId xmlns:p14="http://schemas.microsoft.com/office/powerpoint/2010/main" val="3142184466"/>
+      </p:ext>
+    </p:extLst>
   </p:cSld>
   <p:clrMapOvr>
     <a:masterClrMapping/>
@@ -8643,6 +8643,247 @@
       </p:grpSpPr>
       <p:sp>
         <p:nvSpPr>
+          <p:cNvPr id="2" name="Title 1"/>
+          <p:cNvSpPr>
+            <a:spLocks noGrp="1"/>
+          </p:cNvSpPr>
+          <p:nvPr>
+            <p:ph type="title"/>
+          </p:nvPr>
+        </p:nvSpPr>
+        <p:spPr>
+          <a:xfrm>
+            <a:off x="179512" y="483518"/>
+            <a:ext cx="6120680" cy="384288"/>
+          </a:xfrm>
+          <a:solidFill>
+            <a:schemeClr val="bg1"/>
+          </a:solidFill>
+        </p:spPr>
+        <p:txBody>
+          <a:bodyPr vert="horz" lIns="0" tIns="0" rIns="0" bIns="0" rtlCol="0" anchor="t">
+            <a:normAutofit fontScale="90000"/>
+          </a:bodyPr>
+          <a:lstStyle/>
+          <a:p>
+            <a:pPr algn="l"/>
+            <a:r>
+              <a:rPr lang="en-GB" dirty="0" smtClean="0"/>
+              <a:t>Using the Reset as input or Master Clear</a:t>
+            </a:r>
+            <a:endParaRPr lang="en-GB" dirty="0"/>
+          </a:p>
+        </p:txBody>
+      </p:sp>
+      <p:sp>
+        <p:nvSpPr>
+          <p:cNvPr id="3" name="Content Placeholder 2"/>
+          <p:cNvSpPr>
+            <a:spLocks noGrp="1"/>
+          </p:cNvSpPr>
+          <p:nvPr>
+            <p:ph idx="1"/>
+          </p:nvPr>
+        </p:nvSpPr>
+        <p:spPr>
+          <a:xfrm>
+            <a:off x="395536" y="1843807"/>
+            <a:ext cx="6447501" cy="2744167"/>
+          </a:xfrm>
+        </p:spPr>
+        <p:txBody>
+          <a:bodyPr>
+            <a:normAutofit/>
+          </a:bodyPr>
+          <a:lstStyle/>
+          <a:p>
+            <a:r>
+              <a:rPr lang="en-GB" dirty="0" smtClean="0"/>
+              <a:t>The switch is connected RE3</a:t>
+            </a:r>
+          </a:p>
+          <a:p>
+            <a:endParaRPr lang="en-GB" i="1" dirty="0" smtClean="0"/>
+          </a:p>
+          <a:p>
+            <a:r>
+              <a:rPr lang="en-GB" dirty="0" smtClean="0"/>
+              <a:t>The configuration switches control the operation of RE3</a:t>
+            </a:r>
+          </a:p>
+          <a:p>
+            <a:pPr lvl="1"/>
+            <a:r>
+              <a:rPr lang="en-GB" dirty="0" smtClean="0"/>
+              <a:t>MCRLE</a:t>
+            </a:r>
+          </a:p>
+          <a:p>
+            <a:pPr lvl="2"/>
+            <a:r>
+              <a:rPr lang="en-GB" i="1" dirty="0" smtClean="0"/>
+              <a:t>OFF - </a:t>
+            </a:r>
+            <a:r>
+              <a:rPr lang="en-GB" dirty="0" smtClean="0"/>
+              <a:t>pin is MCLR</a:t>
+            </a:r>
+            <a:endParaRPr lang="en-GB" i="1" dirty="0" smtClean="0"/>
+          </a:p>
+          <a:p>
+            <a:pPr lvl="2"/>
+            <a:r>
+              <a:rPr lang="en-GB" i="1" dirty="0" smtClean="0"/>
+              <a:t>ON - </a:t>
+            </a:r>
+            <a:r>
+              <a:rPr lang="en-GB" dirty="0" smtClean="0"/>
+              <a:t>pin function is port defined function</a:t>
+            </a:r>
+            <a:endParaRPr lang="en-GB" i="1" dirty="0" smtClean="0"/>
+          </a:p>
+          <a:p>
+            <a:pPr lvl="2">
+              <a:buNone/>
+            </a:pPr>
+            <a:endParaRPr lang="en-GB" i="1" dirty="0" smtClean="0"/>
+          </a:p>
+          <a:p>
+            <a:pPr lvl="2">
+              <a:buNone/>
+            </a:pPr>
+            <a:endParaRPr lang="en-GB" dirty="0"/>
+          </a:p>
+        </p:txBody>
+      </p:sp>
+      <p:sp>
+        <p:nvSpPr>
+          <p:cNvPr id="7" name="Rectangle 6"/>
+          <p:cNvSpPr/>
+          <p:nvPr/>
+        </p:nvSpPr>
+        <p:spPr>
+          <a:xfrm>
+            <a:off x="6690742" y="3843784"/>
+            <a:ext cx="360040" cy="248518"/>
+          </a:xfrm>
+          <a:prstGeom prst="rect">
+            <a:avLst/>
+          </a:prstGeom>
+          <a:solidFill>
+            <a:schemeClr val="bg1"/>
+          </a:solidFill>
+          <a:ln>
+            <a:noFill/>
+          </a:ln>
+        </p:spPr>
+        <p:style>
+          <a:lnRef idx="2">
+            <a:schemeClr val="accent1">
+              <a:shade val="50000"/>
+            </a:schemeClr>
+          </a:lnRef>
+          <a:fillRef idx="1">
+            <a:schemeClr val="accent1"/>
+          </a:fillRef>
+          <a:effectRef idx="0">
+            <a:schemeClr val="accent1"/>
+          </a:effectRef>
+          <a:fontRef idx="minor">
+            <a:schemeClr val="lt1"/>
+          </a:fontRef>
+        </p:style>
+        <p:txBody>
+          <a:bodyPr rtlCol="0" anchor="ctr"/>
+          <a:lstStyle/>
+          <a:p>
+            <a:pPr algn="ctr"/>
+            <a:endParaRPr lang="en-GB"/>
+          </a:p>
+        </p:txBody>
+      </p:sp>
+      <p:cxnSp>
+        <p:nvCxnSpPr>
+          <p:cNvPr id="6" name="Straight Connector 5"/>
+          <p:cNvCxnSpPr/>
+          <p:nvPr/>
+        </p:nvCxnSpPr>
+        <p:spPr>
+          <a:xfrm>
+            <a:off x="6684491" y="3924151"/>
+            <a:ext cx="373534" cy="149"/>
+          </a:xfrm>
+          <a:prstGeom prst="line">
+            <a:avLst/>
+          </a:prstGeom>
+          <a:ln w="12700">
+            <a:solidFill>
+              <a:schemeClr val="tx1"/>
+            </a:solidFill>
+          </a:ln>
+        </p:spPr>
+        <p:style>
+          <a:lnRef idx="1">
+            <a:schemeClr val="accent1"/>
+          </a:lnRef>
+          <a:fillRef idx="0">
+            <a:schemeClr val="accent1"/>
+          </a:fillRef>
+          <a:effectRef idx="0">
+            <a:schemeClr val="accent1"/>
+          </a:effectRef>
+          <a:fontRef idx="minor">
+            <a:schemeClr val="tx1"/>
+          </a:fontRef>
+        </p:style>
+      </p:cxnSp>
+    </p:spTree>
+    <p:extLst>
+      <p:ext uri="{BB962C8B-B14F-4D97-AF65-F5344CB8AC3E}">
+        <p14:creationId xmlns:p14="http://schemas.microsoft.com/office/powerpoint/2010/main" val="2666087484"/>
+      </p:ext>
+    </p:extLst>
+  </p:cSld>
+  <p:clrMapOvr>
+    <a:masterClrMapping/>
+  </p:clrMapOvr>
+  <mc:AlternateContent xmlns:mc="http://schemas.openxmlformats.org/markup-compatibility/2006" xmlns:p14="http://schemas.microsoft.com/office/powerpoint/2010/main">
+    <mc:Choice Requires="p14">
+      <p:transition spd="slow" p14:dur="2000" advClick="0"/>
+    </mc:Choice>
+    <mc:Fallback xmlns="">
+      <p:transition spd="slow" advClick="0"/>
+    </mc:Fallback>
+  </mc:AlternateContent>
+  <p:timing>
+    <p:tnLst>
+      <p:par>
+        <p:cTn id="1" dur="indefinite" restart="never" nodeType="tmRoot"/>
+      </p:par>
+    </p:tnLst>
+  </p:timing>
+</p:sld>
+</file>
+
+<file path=ppt/slides/slide12.xml><?xml version="1.0" encoding="utf-8"?>
+<p:sld xmlns:a="http://schemas.openxmlformats.org/drawingml/2006/main" xmlns:r="http://schemas.openxmlformats.org/officeDocument/2006/relationships" xmlns:p="http://schemas.openxmlformats.org/presentationml/2006/main">
+  <p:cSld>
+    <p:spTree>
+      <p:nvGrpSpPr>
+        <p:cNvPr id="1" name=""/>
+        <p:cNvGrpSpPr/>
+        <p:nvPr/>
+      </p:nvGrpSpPr>
+      <p:grpSpPr>
+        <a:xfrm>
+          <a:off x="0" y="0"/>
+          <a:ext cx="0" cy="0"/>
+          <a:chOff x="0" y="0"/>
+          <a:chExt cx="0" cy="0"/>
+        </a:xfrm>
+      </p:grpSpPr>
+      <p:sp>
+        <p:nvSpPr>
           <p:cNvPr id="3" name="Rectangle 2"/>
           <p:cNvSpPr/>
           <p:nvPr/>
@@ -8732,15 +8973,7 @@
           <a:p>
             <a:r>
               <a:rPr lang="en-GB" dirty="0" smtClean="0"/>
-              <a:t>Part 1 – </a:t>
-            </a:r>
-            <a:r>
-              <a:rPr lang="en-GB" dirty="0" smtClean="0"/>
-              <a:t>RE3 </a:t>
-            </a:r>
-            <a:r>
-              <a:rPr lang="en-GB" dirty="0" smtClean="0"/>
-              <a:t>as input</a:t>
+              <a:t>Part 1 – RE3 as input</a:t>
             </a:r>
           </a:p>
           <a:p>
@@ -8767,15 +9000,7 @@
           <a:p>
             <a:r>
               <a:rPr lang="en-GB" dirty="0" smtClean="0"/>
-              <a:t>Part 2 – </a:t>
-            </a:r>
-            <a:r>
-              <a:rPr lang="en-GB" dirty="0" smtClean="0"/>
-              <a:t>RE3 </a:t>
-            </a:r>
-            <a:r>
-              <a:rPr lang="en-GB" dirty="0" smtClean="0"/>
-              <a:t>as reset</a:t>
+              <a:t>Part 2 – RE3 as reset</a:t>
             </a:r>
           </a:p>
           <a:p>
@@ -9461,121 +9686,6 @@
   <p:clrMapOvr>
     <a:masterClrMapping/>
   </p:clrMapOvr>
-  <mc:AlternateContent xmlns:mc="http://schemas.openxmlformats.org/markup-compatibility/2006">
-    <mc:Choice xmlns:p14="http://schemas.microsoft.com/office/powerpoint/2010/main" Requires="p14">
-      <p:transition spd="slow" p14:dur="2000" advClick="0"/>
-    </mc:Choice>
-    <mc:Fallback>
-      <p:transition spd="slow" advClick="0"/>
-    </mc:Fallback>
-  </mc:AlternateContent>
-  <p:timing>
-    <p:tnLst>
-      <p:par>
-        <p:cTn id="1" dur="indefinite" restart="never" nodeType="tmRoot"/>
-      </p:par>
-    </p:tnLst>
-  </p:timing>
-</p:sld>
-</file>
-
-<file path=ppt/slides/slide12.xml><?xml version="1.0" encoding="utf-8"?>
-<p:sld xmlns:a="http://schemas.openxmlformats.org/drawingml/2006/main" xmlns:r="http://schemas.openxmlformats.org/officeDocument/2006/relationships" xmlns:p="http://schemas.openxmlformats.org/presentationml/2006/main">
-  <p:cSld>
-    <p:spTree>
-      <p:nvGrpSpPr>
-        <p:cNvPr id="1" name=""/>
-        <p:cNvGrpSpPr/>
-        <p:nvPr/>
-      </p:nvGrpSpPr>
-      <p:grpSpPr>
-        <a:xfrm>
-          <a:off x="0" y="0"/>
-          <a:ext cx="0" cy="0"/>
-          <a:chOff x="0" y="0"/>
-          <a:chExt cx="0" cy="0"/>
-        </a:xfrm>
-      </p:grpSpPr>
-      <p:sp>
-        <p:nvSpPr>
-          <p:cNvPr id="2" name="Title 1"/>
-          <p:cNvSpPr>
-            <a:spLocks noGrp="1"/>
-          </p:cNvSpPr>
-          <p:nvPr>
-            <p:ph type="title"/>
-          </p:nvPr>
-        </p:nvSpPr>
-        <p:spPr/>
-        <p:txBody>
-          <a:bodyPr vert="horz" lIns="85064" tIns="42531" rIns="85064" bIns="42531" rtlCol="0" anchor="t">
-            <a:normAutofit/>
-          </a:bodyPr>
-          <a:lstStyle/>
-          <a:p>
-            <a:pPr algn="l"/>
-            <a:r>
-              <a:rPr lang="en-GB" dirty="0" smtClean="0"/>
-              <a:t>Lab</a:t>
-            </a:r>
-          </a:p>
-        </p:txBody>
-      </p:sp>
-      <p:sp>
-        <p:nvSpPr>
-          <p:cNvPr id="4" name="Content Placeholder 2"/>
-          <p:cNvSpPr>
-            <a:spLocks noGrp="1"/>
-          </p:cNvSpPr>
-          <p:nvPr>
-            <p:ph idx="1"/>
-          </p:nvPr>
-        </p:nvSpPr>
-        <p:spPr/>
-        <p:txBody>
-          <a:bodyPr/>
-          <a:lstStyle/>
-          <a:p>
-            <a:r>
-              <a:rPr lang="en-GB" dirty="0" smtClean="0"/>
-              <a:t>Review PICINFO options</a:t>
-            </a:r>
-          </a:p>
-          <a:p>
-            <a:endParaRPr lang="en-GB" dirty="0" smtClean="0"/>
-          </a:p>
-          <a:p>
-            <a:r>
-              <a:rPr lang="en-GB" dirty="0" smtClean="0"/>
-              <a:t>Examine the sample code</a:t>
-            </a:r>
-          </a:p>
-          <a:p>
-            <a:endParaRPr lang="en-GB" dirty="0" smtClean="0"/>
-          </a:p>
-          <a:p>
-            <a:r>
-              <a:rPr lang="en-GB" dirty="0" smtClean="0"/>
-              <a:t>Review </a:t>
-            </a:r>
-            <a:r>
-              <a:rPr lang="en-GB" dirty="0" smtClean="0"/>
-              <a:t>the results</a:t>
-            </a:r>
-            <a:endParaRPr lang="en-GB" dirty="0"/>
-          </a:p>
-        </p:txBody>
-      </p:sp>
-    </p:spTree>
-    <p:extLst>
-      <p:ext uri="{BB962C8B-B14F-4D97-AF65-F5344CB8AC3E}">
-        <p14:creationId xmlns:p14="http://schemas.microsoft.com/office/powerpoint/2010/main" val="4232917398"/>
-      </p:ext>
-    </p:extLst>
-  </p:cSld>
-  <p:clrMapOvr>
-    <a:masterClrMapping/>
-  </p:clrMapOvr>
   <mc:AlternateContent xmlns:mc="http://schemas.openxmlformats.org/markup-compatibility/2006" xmlns:p14="http://schemas.microsoft.com/office/powerpoint/2010/main">
     <mc:Choice Requires="p14">
       <p:transition spd="slow" p14:dur="2000" advClick="0"/>
@@ -9623,43 +9733,76 @@
         </p:nvSpPr>
         <p:spPr/>
         <p:txBody>
+          <a:bodyPr vert="horz" lIns="85064" tIns="42531" rIns="85064" bIns="42531" rtlCol="0" anchor="t">
+            <a:normAutofit/>
+          </a:bodyPr>
+          <a:lstStyle/>
+          <a:p>
+            <a:pPr algn="l"/>
+            <a:r>
+              <a:rPr lang="en-GB" dirty="0" smtClean="0"/>
+              <a:t>Lab</a:t>
+            </a:r>
+          </a:p>
+        </p:txBody>
+      </p:sp>
+      <p:sp>
+        <p:nvSpPr>
+          <p:cNvPr id="4" name="Content Placeholder 2"/>
+          <p:cNvSpPr>
+            <a:spLocks noGrp="1"/>
+          </p:cNvSpPr>
+          <p:nvPr>
+            <p:ph idx="1"/>
+          </p:nvPr>
+        </p:nvSpPr>
+        <p:spPr/>
+        <p:txBody>
           <a:bodyPr/>
           <a:lstStyle/>
           <a:p>
+            <a:r>
+              <a:rPr lang="en-GB" dirty="0" smtClean="0"/>
+              <a:t>Review PICINFO options</a:t>
+            </a:r>
+          </a:p>
+          <a:p>
+            <a:endParaRPr lang="en-GB" dirty="0" smtClean="0"/>
+          </a:p>
+          <a:p>
+            <a:r>
+              <a:rPr lang="en-GB" dirty="0" smtClean="0"/>
+              <a:t>Examine the sample code</a:t>
+            </a:r>
+          </a:p>
+          <a:p>
+            <a:endParaRPr lang="en-GB" dirty="0" smtClean="0"/>
+          </a:p>
+          <a:p>
+            <a:r>
+              <a:rPr lang="en-GB" dirty="0" smtClean="0"/>
+              <a:t>Review the results</a:t>
+            </a:r>
             <a:endParaRPr lang="en-GB" dirty="0"/>
           </a:p>
         </p:txBody>
       </p:sp>
-      <p:sp>
-        <p:nvSpPr>
-          <p:cNvPr id="3" name="Content Placeholder 2"/>
-          <p:cNvSpPr>
-            <a:spLocks noGrp="1"/>
-          </p:cNvSpPr>
-          <p:nvPr>
-            <p:ph idx="1"/>
-          </p:nvPr>
-        </p:nvSpPr>
-        <p:spPr/>
-        <p:txBody>
-          <a:bodyPr/>
-          <a:lstStyle/>
-          <a:p>
-            <a:endParaRPr lang="en-GB" dirty="0"/>
-          </a:p>
-        </p:txBody>
-      </p:sp>
     </p:spTree>
+    <p:extLst>
+      <p:ext uri="{BB962C8B-B14F-4D97-AF65-F5344CB8AC3E}">
+        <p14:creationId xmlns:p14="http://schemas.microsoft.com/office/powerpoint/2010/main" val="4232917398"/>
+      </p:ext>
+    </p:extLst>
   </p:cSld>
   <p:clrMapOvr>
     <a:masterClrMapping/>
   </p:clrMapOvr>
   <mc:AlternateContent xmlns:mc="http://schemas.openxmlformats.org/markup-compatibility/2006" xmlns:p14="http://schemas.microsoft.com/office/powerpoint/2010/main">
     <mc:Choice Requires="p14">
-      <p:transition spd="slow" p14:dur="2000"/>
+      <p:transition spd="slow" p14:dur="2000" advClick="0"/>
     </mc:Choice>
     <mc:Fallback xmlns="">
-      <p:transition spd="slow"/>
+      <p:transition spd="slow" advClick="0"/>
     </mc:Fallback>
   </mc:AlternateContent>
   <p:timing>
@@ -9701,15 +9844,9 @@
         </p:nvSpPr>
         <p:spPr/>
         <p:txBody>
-          <a:bodyPr>
-            <a:normAutofit/>
-          </a:bodyPr>
+          <a:bodyPr/>
           <a:lstStyle/>
           <a:p>
-            <a:r>
-              <a:rPr lang="en-GB" dirty="0" smtClean="0"/>
-              <a:t>Videos...</a:t>
-            </a:r>
             <a:endParaRPr lang="en-GB" dirty="0"/>
           </a:p>
         </p:txBody>
@@ -9724,363 +9861,16 @@
             <p:ph idx="1"/>
           </p:nvPr>
         </p:nvSpPr>
-        <p:spPr>
-          <a:xfrm>
-            <a:off x="467544" y="987574"/>
-            <a:ext cx="6447501" cy="4111476"/>
-          </a:xfrm>
-          <a:solidFill>
-            <a:schemeClr val="bg1"/>
-          </a:solidFill>
-        </p:spPr>
-        <p:txBody>
-          <a:bodyPr>
-            <a:noAutofit/>
-          </a:bodyPr>
+        <p:spPr/>
+        <p:txBody>
+          <a:bodyPr/>
           <a:lstStyle/>
           <a:p>
-            <a:pPr marL="180000" indent="-478483">
-              <a:spcBef>
-                <a:spcPts val="300"/>
-              </a:spcBef>
-              <a:buFont typeface="+mj-lt"/>
-              <a:buAutoNum type="arabicPeriod"/>
-            </a:pPr>
-            <a:r>
-              <a:rPr lang="en-GB" sz="1100" dirty="0"/>
-              <a:t>Install the hardware and make the board work – three LED programs</a:t>
-            </a:r>
-          </a:p>
-          <a:p>
-            <a:pPr marL="180000" indent="-478483">
-              <a:spcBef>
-                <a:spcPts val="300"/>
-              </a:spcBef>
-              <a:buFont typeface="+mj-lt"/>
-              <a:buAutoNum type="arabicPeriod"/>
-            </a:pPr>
-            <a:r>
-              <a:rPr lang="en-GB" sz="1100" dirty="0"/>
-              <a:t>Make  four LEDs flash in a sequence</a:t>
-            </a:r>
-          </a:p>
-          <a:p>
-            <a:pPr marL="180000" indent="-478483">
-              <a:spcBef>
-                <a:spcPts val="300"/>
-              </a:spcBef>
-              <a:buFont typeface="+mj-lt"/>
-              <a:buAutoNum type="arabicPeriod"/>
-            </a:pPr>
-            <a:r>
-              <a:rPr lang="en-GB" sz="1100" dirty="0"/>
-              <a:t>Set the LEDs to represent the value of ADC</a:t>
-            </a:r>
-          </a:p>
-          <a:p>
-            <a:pPr marL="180000" indent="-478483">
-              <a:spcBef>
-                <a:spcPts val="300"/>
-              </a:spcBef>
-              <a:buFont typeface="+mj-lt"/>
-              <a:buAutoNum type="arabicPeriod"/>
-            </a:pPr>
-            <a:r>
-              <a:rPr lang="en-GB" sz="1100" dirty="0"/>
-              <a:t>Sequence the LEDs with a delay using the value of ADC</a:t>
-            </a:r>
-          </a:p>
-          <a:p>
-            <a:pPr marL="180000" indent="-478483">
-              <a:spcBef>
-                <a:spcPts val="300"/>
-              </a:spcBef>
-              <a:buFont typeface="+mj-lt"/>
-              <a:buAutoNum type="arabicPeriod"/>
-            </a:pPr>
-            <a:r>
-              <a:rPr lang="en-GB" sz="1100" dirty="0"/>
-              <a:t>Using an input to set the state of the LEDs</a:t>
-            </a:r>
-          </a:p>
-          <a:p>
-            <a:pPr marL="180000" indent="-478483">
-              <a:spcBef>
-                <a:spcPts val="300"/>
-              </a:spcBef>
-              <a:buFont typeface="+mj-lt"/>
-              <a:buAutoNum type="arabicPeriod"/>
-            </a:pPr>
-            <a:r>
-              <a:rPr lang="en-GB" sz="1100" dirty="0"/>
-              <a:t>Using the reset switch</a:t>
-            </a:r>
-          </a:p>
-          <a:p>
-            <a:pPr marL="180000" indent="-478483">
-              <a:spcBef>
-                <a:spcPts val="300"/>
-              </a:spcBef>
-              <a:buFont typeface="+mj-lt"/>
-              <a:buAutoNum type="arabicPeriod"/>
-            </a:pPr>
-            <a:r>
-              <a:rPr lang="en-GB" sz="1100" b="1" dirty="0"/>
-              <a:t>Using the switch, ADC – make the LEDs flash in a sequence with reverse</a:t>
-            </a:r>
-          </a:p>
-          <a:p>
-            <a:pPr marL="180000" indent="-478483">
-              <a:spcBef>
-                <a:spcPts val="300"/>
-              </a:spcBef>
-              <a:buFont typeface="+mj-lt"/>
-              <a:buAutoNum type="arabicPeriod"/>
-            </a:pPr>
-            <a:r>
-              <a:rPr lang="en-GB" sz="1100" dirty="0"/>
-              <a:t>Using the serial to display values</a:t>
-            </a:r>
-          </a:p>
-          <a:p>
-            <a:pPr marL="180000" indent="-478483">
-              <a:spcBef>
-                <a:spcPts val="300"/>
-              </a:spcBef>
-              <a:buFont typeface="+mj-lt"/>
-              <a:buAutoNum type="arabicPeriod"/>
-            </a:pPr>
-            <a:r>
-              <a:rPr lang="en-GB" sz="1100" dirty="0"/>
-              <a:t>Using the timer0 overflow, 8bit timer, 16bit timer to flash the LEDs</a:t>
-            </a:r>
-          </a:p>
-          <a:p>
-            <a:pPr marL="180000" indent="-478483">
-              <a:spcBef>
-                <a:spcPts val="300"/>
-              </a:spcBef>
-              <a:buFont typeface="+mj-lt"/>
-              <a:buAutoNum type="arabicPeriod"/>
-            </a:pPr>
-            <a:r>
-              <a:rPr lang="en-GB" sz="1100" dirty="0"/>
-              <a:t>Using EEProm – showing values on the serial terminal, and more constants insights</a:t>
-            </a:r>
-          </a:p>
-          <a:p>
-            <a:pPr marL="180000" indent="-478483">
-              <a:spcBef>
-                <a:spcPts val="300"/>
-              </a:spcBef>
-              <a:buFont typeface="+mj-lt"/>
-              <a:buAutoNum type="arabicPeriod"/>
-            </a:pPr>
-            <a:r>
-              <a:rPr lang="en-GB" sz="1100" dirty="0"/>
-              <a:t>Using I2C with serial to discover I2C devices</a:t>
-            </a:r>
-          </a:p>
-          <a:p>
-            <a:pPr marL="180000" indent="-478483">
-              <a:spcBef>
-                <a:spcPts val="300"/>
-              </a:spcBef>
-              <a:buFont typeface="+mj-lt"/>
-              <a:buAutoNum type="arabicPeriod"/>
-            </a:pPr>
-            <a:r>
-              <a:rPr lang="en-GB" sz="1100" dirty="0"/>
-              <a:t>Using an I2C GCLD display</a:t>
-            </a:r>
-          </a:p>
-          <a:p>
-            <a:pPr marL="180000" indent="-478483">
-              <a:spcBef>
-                <a:spcPts val="300"/>
-              </a:spcBef>
-              <a:buFont typeface="+mj-lt"/>
-              <a:buAutoNum type="arabicPeriod"/>
-            </a:pPr>
-            <a:r>
-              <a:rPr lang="en-GB" sz="1100" dirty="0"/>
-              <a:t>Using a SPI GCLD display</a:t>
-            </a:r>
-          </a:p>
-          <a:p>
-            <a:pPr marL="180000" indent="-478483">
-              <a:spcBef>
-                <a:spcPts val="300"/>
-              </a:spcBef>
-              <a:buFont typeface="+mj-lt"/>
-              <a:buAutoNum type="arabicPeriod"/>
-            </a:pPr>
-            <a:r>
-              <a:rPr lang="en-GB" sz="1100" dirty="0"/>
-              <a:t>Using PWM, 7  ways,  to dim the LEDS</a:t>
-            </a:r>
-          </a:p>
-          <a:p>
-            <a:pPr marL="180000" indent="-478483">
-              <a:spcBef>
-                <a:spcPts val="300"/>
-              </a:spcBef>
-              <a:buFont typeface="+mj-lt"/>
-              <a:buAutoNum type="arabicPeriod"/>
-            </a:pPr>
-            <a:r>
-              <a:rPr lang="en-GB" sz="1100" dirty="0"/>
-              <a:t>Using an external interrupt to control an LED</a:t>
-            </a:r>
-          </a:p>
-          <a:p>
-            <a:pPr marL="180000" indent="-478483">
-              <a:spcBef>
-                <a:spcPts val="300"/>
-              </a:spcBef>
-              <a:buFont typeface="+mj-lt"/>
-              <a:buAutoNum type="arabicPeriod"/>
-            </a:pPr>
-            <a:r>
-              <a:rPr lang="en-GB" sz="1100" dirty="0"/>
-              <a:t>Using storage within the chip – Progmem, SAF memory, EEPROM and DATA blocks</a:t>
-            </a:r>
-          </a:p>
-          <a:p>
-            <a:pPr marL="180000" indent="-478483">
-              <a:spcBef>
-                <a:spcPts val="300"/>
-              </a:spcBef>
-              <a:buFont typeface="+mj-lt"/>
-              <a:buAutoNum type="arabicPeriod"/>
-            </a:pPr>
-            <a:r>
-              <a:rPr lang="en-GB" sz="1100" dirty="0"/>
-              <a:t>Using CLC</a:t>
-            </a:r>
-          </a:p>
-          <a:p>
-            <a:pPr marL="180000" indent="-478483">
-              <a:spcBef>
-                <a:spcPts val="300"/>
-              </a:spcBef>
-              <a:buFont typeface="+mj-lt"/>
-              <a:buAutoNum type="arabicPeriod"/>
-            </a:pPr>
-            <a:r>
-              <a:rPr lang="en-GB" sz="1100" dirty="0"/>
-              <a:t>The GCBASIC tool chain</a:t>
-            </a:r>
-          </a:p>
-          <a:p>
-            <a:pPr marL="180000" indent="-478483">
-              <a:spcBef>
-                <a:spcPts val="300"/>
-              </a:spcBef>
-              <a:buFont typeface="+mj-lt"/>
-              <a:buAutoNum type="arabicPeriod"/>
-            </a:pPr>
-            <a:r>
-              <a:rPr lang="en-GB" sz="1100" dirty="0"/>
-              <a:t>Assembly , alternatives assemblers and MPLAB-X</a:t>
-            </a:r>
-          </a:p>
-          <a:p>
-            <a:pPr marL="180000" indent="-478483">
-              <a:spcBef>
-                <a:spcPts val="300"/>
-              </a:spcBef>
-              <a:buFont typeface="+mj-lt"/>
-              <a:buAutoNum type="arabicPeriod"/>
-            </a:pPr>
-            <a:r>
-              <a:rPr lang="en-GB" sz="1100" dirty="0"/>
-              <a:t>Summary</a:t>
-            </a:r>
-          </a:p>
-          <a:p>
-            <a:pPr marL="180000" indent="-478483">
-              <a:spcBef>
-                <a:spcPts val="300"/>
-              </a:spcBef>
-              <a:buFont typeface="+mj-lt"/>
-              <a:buAutoNum type="arabicPeriod"/>
-            </a:pPr>
-            <a:endParaRPr lang="en-GB" sz="400" dirty="0" smtClean="0">
-              <a:solidFill>
-                <a:schemeClr val="bg1">
-                  <a:lumMod val="75000"/>
-                </a:schemeClr>
-              </a:solidFill>
-            </a:endParaRPr>
-          </a:p>
-          <a:p>
-            <a:pPr marL="180000" indent="-478483">
-              <a:spcBef>
-                <a:spcPts val="300"/>
-              </a:spcBef>
-              <a:buNone/>
-            </a:pPr>
-            <a:endParaRPr lang="en-GB" sz="700" dirty="0" smtClean="0"/>
-          </a:p>
-          <a:p>
-            <a:pPr marL="180000" indent="-478483">
-              <a:spcBef>
-                <a:spcPts val="300"/>
-              </a:spcBef>
-              <a:buFont typeface="+mj-lt"/>
-              <a:buAutoNum type="arabicPeriod"/>
-            </a:pPr>
-            <a:endParaRPr lang="en-GB" sz="700" dirty="0" smtClean="0"/>
-          </a:p>
-          <a:p>
-            <a:pPr marL="180000" indent="-478483">
-              <a:spcBef>
-                <a:spcPts val="300"/>
-              </a:spcBef>
-              <a:buFont typeface="+mj-lt"/>
-              <a:buAutoNum type="arabicPeriod"/>
-            </a:pPr>
-            <a:endParaRPr lang="en-GB" sz="500" dirty="0" smtClean="0"/>
-          </a:p>
-          <a:p>
-            <a:pPr marL="180000" indent="-478483">
-              <a:spcBef>
-                <a:spcPts val="300"/>
-              </a:spcBef>
-              <a:buFont typeface="+mj-lt"/>
-              <a:buAutoNum type="arabicPeriod"/>
-            </a:pPr>
-            <a:endParaRPr lang="en-GB" sz="500" dirty="0" smtClean="0"/>
-          </a:p>
-          <a:p>
-            <a:pPr marL="180000" indent="-478483">
-              <a:spcBef>
-                <a:spcPts val="300"/>
-              </a:spcBef>
-              <a:buFont typeface="+mj-lt"/>
-              <a:buAutoNum type="arabicPeriod"/>
-            </a:pPr>
-            <a:endParaRPr lang="en-GB" sz="500" dirty="0" smtClean="0"/>
-          </a:p>
-          <a:p>
-            <a:pPr marL="180000" indent="-478483">
-              <a:spcBef>
-                <a:spcPts val="300"/>
-              </a:spcBef>
-              <a:buFont typeface="+mj-lt"/>
-              <a:buAutoNum type="arabicPeriod"/>
-            </a:pPr>
-            <a:endParaRPr lang="en-GB" sz="500" dirty="0"/>
+            <a:endParaRPr lang="en-GB" dirty="0"/>
           </a:p>
         </p:txBody>
       </p:sp>
     </p:spTree>
-    <p:extLst>
-      <p:ext uri="{BB962C8B-B14F-4D97-AF65-F5344CB8AC3E}">
-        <p14:creationId xmlns:p14="http://schemas.microsoft.com/office/powerpoint/2010/main" val="1332074503"/>
-      </p:ext>
-    </p:extLst>
   </p:cSld>
   <p:clrMapOvr>
     <a:masterClrMapping/>
@@ -10127,378 +9917,409 @@
             <a:spLocks noGrp="1"/>
           </p:cNvSpPr>
           <p:nvPr>
-            <p:ph type="ctrTitle"/>
+            <p:ph type="title"/>
           </p:nvPr>
         </p:nvSpPr>
         <p:spPr/>
         <p:txBody>
-          <a:bodyPr/>
-          <a:lstStyle/>
-          <a:p>
-            <a:r>
-              <a:rPr lang="en-GB" dirty="0" smtClean="0"/>
-              <a:t>GCBASIC</a:t>
-            </a:r>
-            <a:endParaRPr lang="en-GB" dirty="0"/>
-          </a:p>
-        </p:txBody>
-      </p:sp>
-      <p:pic>
-        <p:nvPicPr>
-          <p:cNvPr id="1026" name="Picture 2" descr="D:\Build\AnobiumTransparent.jpg"/>
-          <p:cNvPicPr>
-            <a:picLocks noChangeAspect="1" noChangeArrowheads="1"/>
-          </p:cNvPicPr>
-          <p:nvPr/>
-        </p:nvPicPr>
-        <p:blipFill>
-          <a:blip r:embed="rId2" cstate="print"/>
-          <a:srcRect/>
-          <a:stretch>
-            <a:fillRect/>
-          </a:stretch>
-        </p:blipFill>
-        <p:spPr bwMode="auto">
-          <a:xfrm>
-            <a:off x="5292080" y="911052"/>
-            <a:ext cx="1828859" cy="771550"/>
-          </a:xfrm>
-          <a:prstGeom prst="rect">
-            <a:avLst/>
-          </a:prstGeom>
-          <a:noFill/>
-        </p:spPr>
-      </p:pic>
-      <p:sp>
-        <p:nvSpPr>
-          <p:cNvPr id="4" name="AutoShape 2" descr="ICSP connection"/>
-          <p:cNvSpPr>
-            <a:spLocks noChangeAspect="1" noChangeArrowheads="1"/>
-          </p:cNvSpPr>
-          <p:nvPr/>
-        </p:nvSpPr>
-        <p:spPr bwMode="auto">
-          <a:xfrm>
-            <a:off x="155575" y="-144462"/>
-            <a:ext cx="304800" cy="304801"/>
-          </a:xfrm>
-          <a:prstGeom prst="rect">
-            <a:avLst/>
-          </a:prstGeom>
-          <a:noFill/>
-        </p:spPr>
-        <p:txBody>
-          <a:bodyPr vert="horz" wrap="square" lIns="85064" tIns="42531" rIns="85064" bIns="42531" numCol="1" anchor="t" anchorCtr="0" compatLnSpc="1">
-            <a:prstTxWarp prst="textNoShape">
-              <a:avLst/>
-            </a:prstTxWarp>
+          <a:bodyPr>
+            <a:normAutofit/>
           </a:bodyPr>
           <a:lstStyle/>
           <a:p>
+            <a:r>
+              <a:rPr lang="en-GB" dirty="0" smtClean="0"/>
+              <a:t>Videos...</a:t>
+            </a:r>
             <a:endParaRPr lang="en-GB" dirty="0"/>
           </a:p>
         </p:txBody>
       </p:sp>
       <p:sp>
         <p:nvSpPr>
-          <p:cNvPr id="8" name="Text Placeholder 4"/>
-          <p:cNvSpPr txBox="1">
-            <a:spLocks/>
-          </p:cNvSpPr>
-          <p:nvPr/>
+          <p:cNvPr id="3" name="Content Placeholder 2"/>
+          <p:cNvSpPr>
+            <a:spLocks noGrp="1"/>
+          </p:cNvSpPr>
+          <p:nvPr>
+            <p:ph idx="1"/>
+          </p:nvPr>
         </p:nvSpPr>
         <p:spPr>
           <a:xfrm>
-            <a:off x="3805512" y="2931790"/>
-            <a:ext cx="3342861" cy="645300"/>
+            <a:off x="467544" y="987574"/>
+            <a:ext cx="6447501" cy="4111476"/>
           </a:xfrm>
-          <a:prstGeom prst="rect">
-            <a:avLst/>
-          </a:prstGeom>
+          <a:solidFill>
+            <a:schemeClr val="bg1"/>
+          </a:solidFill>
         </p:spPr>
         <p:txBody>
-          <a:bodyPr vert="horz" lIns="68580" tIns="34290" rIns="68580" bIns="34290" rtlCol="0" anchor="t">
-            <a:normAutofit/>
+          <a:bodyPr>
+            <a:noAutofit/>
           </a:bodyPr>
-          <a:lstStyle>
-            <a:lvl1pPr marL="0" indent="0" algn="r" defTabSz="342900" rtl="0" eaLnBrk="1" latinLnBrk="0" hangingPunct="1">
+          <a:lstStyle/>
+          <a:p>
+            <a:pPr marL="180000" indent="-478483">
               <a:spcBef>
-                <a:spcPts val="750"/>
+                <a:spcPts val="300"/>
               </a:spcBef>
-              <a:spcAft>
-                <a:spcPts val="0"/>
-              </a:spcAft>
-              <a:buClr>
-                <a:schemeClr val="accent1"/>
-              </a:buClr>
-              <a:buSzPct val="80000"/>
-              <a:buFont typeface="Wingdings 3" charset="2"/>
-              <a:buNone/>
-              <a:defRPr sz="1400" kern="1200">
-                <a:solidFill>
-                  <a:schemeClr val="tx1">
-                    <a:lumMod val="50000"/>
-                    <a:lumOff val="50000"/>
-                  </a:schemeClr>
-                </a:solidFill>
-                <a:latin typeface="+mn-lt"/>
-                <a:ea typeface="+mn-ea"/>
-                <a:cs typeface="+mn-cs"/>
-              </a:defRPr>
-            </a:lvl1pPr>
-            <a:lvl2pPr marL="342900" indent="0" algn="ctr" defTabSz="342900" rtl="0" eaLnBrk="1" latinLnBrk="0" hangingPunct="1">
+              <a:buFont typeface="+mj-lt"/>
+              <a:buAutoNum type="arabicPeriod"/>
+            </a:pPr>
+            <a:r>
+              <a:rPr lang="en-GB" sz="1100" dirty="0"/>
+              <a:t>Install the hardware and make the board work </a:t>
+            </a:r>
+            <a:r>
+              <a:rPr lang="en-GB" sz="1100" dirty="0" smtClean="0"/>
+              <a:t>– make LEDs work</a:t>
+            </a:r>
+            <a:endParaRPr lang="en-GB" sz="1100" b="1" dirty="0"/>
+          </a:p>
+          <a:p>
+            <a:pPr marL="180000" indent="-478483">
               <a:spcBef>
-                <a:spcPts val="750"/>
+                <a:spcPts val="300"/>
               </a:spcBef>
-              <a:spcAft>
-                <a:spcPts val="0"/>
-              </a:spcAft>
-              <a:buClr>
-                <a:schemeClr val="accent1"/>
-              </a:buClr>
-              <a:buSzPct val="80000"/>
-              <a:buFont typeface="Wingdings 3" charset="2"/>
-              <a:buNone/>
-              <a:defRPr sz="1200" kern="1200">
-                <a:solidFill>
-                  <a:schemeClr val="tx1">
-                    <a:tint val="75000"/>
-                  </a:schemeClr>
-                </a:solidFill>
-                <a:latin typeface="+mn-lt"/>
-                <a:ea typeface="+mn-ea"/>
-                <a:cs typeface="+mn-cs"/>
-              </a:defRPr>
-            </a:lvl2pPr>
-            <a:lvl3pPr marL="685800" indent="0" algn="ctr" defTabSz="342900" rtl="0" eaLnBrk="1" latinLnBrk="0" hangingPunct="1">
+              <a:buFont typeface="+mj-lt"/>
+              <a:buAutoNum type="arabicPeriod"/>
+            </a:pPr>
+            <a:r>
+              <a:rPr lang="en-GB" sz="1100" dirty="0"/>
+              <a:t>Make  four LEDs flash in a sequence</a:t>
+            </a:r>
+          </a:p>
+          <a:p>
+            <a:pPr marL="180000" indent="-478483">
               <a:spcBef>
-                <a:spcPts val="750"/>
+                <a:spcPts val="300"/>
               </a:spcBef>
-              <a:spcAft>
-                <a:spcPts val="0"/>
-              </a:spcAft>
-              <a:buClr>
-                <a:schemeClr val="accent1"/>
-              </a:buClr>
-              <a:buSzPct val="80000"/>
-              <a:buFont typeface="Wingdings 3" charset="2"/>
-              <a:buNone/>
-              <a:defRPr sz="1100" kern="1200">
-                <a:solidFill>
-                  <a:schemeClr val="tx1">
-                    <a:tint val="75000"/>
-                  </a:schemeClr>
-                </a:solidFill>
-                <a:latin typeface="+mn-lt"/>
-                <a:ea typeface="+mn-ea"/>
-                <a:cs typeface="+mn-cs"/>
-              </a:defRPr>
-            </a:lvl3pPr>
-            <a:lvl4pPr marL="1028700" indent="0" algn="ctr" defTabSz="342900" rtl="0" eaLnBrk="1" latinLnBrk="0" hangingPunct="1">
+              <a:buFont typeface="+mj-lt"/>
+              <a:buAutoNum type="arabicPeriod"/>
+            </a:pPr>
+            <a:r>
+              <a:rPr lang="en-GB" sz="1100" dirty="0"/>
+              <a:t>Set the LEDs to represent the value of ADC</a:t>
+            </a:r>
+          </a:p>
+          <a:p>
+            <a:pPr marL="180000" indent="-478483">
               <a:spcBef>
-                <a:spcPts val="750"/>
+                <a:spcPts val="300"/>
               </a:spcBef>
-              <a:spcAft>
-                <a:spcPts val="0"/>
-              </a:spcAft>
-              <a:buClr>
-                <a:schemeClr val="accent1"/>
-              </a:buClr>
-              <a:buSzPct val="80000"/>
-              <a:buFont typeface="Wingdings 3" charset="2"/>
-              <a:buNone/>
-              <a:defRPr sz="900" kern="1200">
-                <a:solidFill>
-                  <a:schemeClr val="tx1">
-                    <a:tint val="75000"/>
-                  </a:schemeClr>
-                </a:solidFill>
-                <a:latin typeface="+mn-lt"/>
-                <a:ea typeface="+mn-ea"/>
-                <a:cs typeface="+mn-cs"/>
-              </a:defRPr>
-            </a:lvl4pPr>
-            <a:lvl5pPr marL="1371600" indent="0" algn="ctr" defTabSz="342900" rtl="0" eaLnBrk="1" latinLnBrk="0" hangingPunct="1">
+              <a:buFont typeface="+mj-lt"/>
+              <a:buAutoNum type="arabicPeriod"/>
+            </a:pPr>
+            <a:r>
+              <a:rPr lang="en-GB" sz="1100" dirty="0"/>
+              <a:t>Sequence the LEDs with a delay using the value of ADC</a:t>
+            </a:r>
+          </a:p>
+          <a:p>
+            <a:pPr marL="180000" indent="-478483">
               <a:spcBef>
-                <a:spcPts val="750"/>
+                <a:spcPts val="300"/>
               </a:spcBef>
-              <a:spcAft>
-                <a:spcPts val="0"/>
-              </a:spcAft>
-              <a:buClr>
-                <a:schemeClr val="accent1"/>
-              </a:buClr>
-              <a:buSzPct val="80000"/>
-              <a:buFont typeface="Wingdings 3" charset="2"/>
-              <a:buNone/>
-              <a:defRPr sz="900" kern="1200">
-                <a:solidFill>
-                  <a:schemeClr val="tx1">
-                    <a:tint val="75000"/>
-                  </a:schemeClr>
-                </a:solidFill>
-                <a:latin typeface="+mn-lt"/>
-                <a:ea typeface="+mn-ea"/>
-                <a:cs typeface="+mn-cs"/>
-              </a:defRPr>
-            </a:lvl5pPr>
-            <a:lvl6pPr marL="1714500" indent="0" algn="ctr" defTabSz="342900" rtl="0" eaLnBrk="1" latinLnBrk="0" hangingPunct="1">
+              <a:buFont typeface="+mj-lt"/>
+              <a:buAutoNum type="arabicPeriod"/>
+            </a:pPr>
+            <a:r>
+              <a:rPr lang="en-GB" sz="1100" dirty="0"/>
+              <a:t>Using an input to set the state of the LEDs</a:t>
+            </a:r>
+          </a:p>
+          <a:p>
+            <a:pPr marL="180000" indent="-478483">
               <a:spcBef>
-                <a:spcPts val="750"/>
+                <a:spcPts val="300"/>
               </a:spcBef>
-              <a:spcAft>
-                <a:spcPts val="0"/>
-              </a:spcAft>
-              <a:buClr>
-                <a:schemeClr val="accent1"/>
-              </a:buClr>
-              <a:buSzPct val="80000"/>
-              <a:buFont typeface="Wingdings 3" charset="2"/>
-              <a:buNone/>
-              <a:defRPr sz="900" kern="1200">
-                <a:solidFill>
-                  <a:schemeClr val="tx1">
-                    <a:tint val="75000"/>
-                  </a:schemeClr>
-                </a:solidFill>
-                <a:latin typeface="+mn-lt"/>
-                <a:ea typeface="+mn-ea"/>
-                <a:cs typeface="+mn-cs"/>
-              </a:defRPr>
-            </a:lvl6pPr>
-            <a:lvl7pPr marL="2057400" indent="0" algn="ctr" defTabSz="342900" rtl="0" eaLnBrk="1" latinLnBrk="0" hangingPunct="1">
+              <a:buFont typeface="+mj-lt"/>
+              <a:buAutoNum type="arabicPeriod"/>
+            </a:pPr>
+            <a:r>
+              <a:rPr lang="en-GB" sz="1100" dirty="0"/>
+              <a:t>Using the reset switch</a:t>
+            </a:r>
+          </a:p>
+          <a:p>
+            <a:pPr marL="180000" indent="-478483">
               <a:spcBef>
-                <a:spcPts val="750"/>
+                <a:spcPts val="300"/>
               </a:spcBef>
-              <a:spcAft>
-                <a:spcPts val="0"/>
-              </a:spcAft>
-              <a:buClr>
-                <a:schemeClr val="accent1"/>
-              </a:buClr>
-              <a:buSzPct val="80000"/>
-              <a:buFont typeface="Wingdings 3" charset="2"/>
-              <a:buNone/>
-              <a:defRPr sz="900" kern="1200">
-                <a:solidFill>
-                  <a:schemeClr val="tx1">
-                    <a:tint val="75000"/>
-                  </a:schemeClr>
-                </a:solidFill>
-                <a:latin typeface="+mn-lt"/>
-                <a:ea typeface="+mn-ea"/>
-                <a:cs typeface="+mn-cs"/>
-              </a:defRPr>
-            </a:lvl7pPr>
-            <a:lvl8pPr marL="2400300" indent="0" algn="ctr" defTabSz="342900" rtl="0" eaLnBrk="1" latinLnBrk="0" hangingPunct="1">
+              <a:buFont typeface="+mj-lt"/>
+              <a:buAutoNum type="arabicPeriod"/>
+            </a:pPr>
+            <a:r>
+              <a:rPr lang="en-GB" sz="1100" b="1" dirty="0"/>
+              <a:t>Using the switch, ADC – make the LEDs flash in a sequence with reverse</a:t>
+            </a:r>
+          </a:p>
+          <a:p>
+            <a:pPr marL="180000" indent="-478483">
               <a:spcBef>
-                <a:spcPts val="750"/>
+                <a:spcPts val="300"/>
               </a:spcBef>
-              <a:spcAft>
-                <a:spcPts val="0"/>
-              </a:spcAft>
-              <a:buClr>
-                <a:schemeClr val="accent1"/>
-              </a:buClr>
-              <a:buSzPct val="80000"/>
-              <a:buFont typeface="Wingdings 3" charset="2"/>
-              <a:buNone/>
-              <a:defRPr sz="900" kern="1200">
-                <a:solidFill>
-                  <a:schemeClr val="tx1">
-                    <a:tint val="75000"/>
-                  </a:schemeClr>
-                </a:solidFill>
-                <a:latin typeface="+mn-lt"/>
-                <a:ea typeface="+mn-ea"/>
-                <a:cs typeface="+mn-cs"/>
-              </a:defRPr>
-            </a:lvl8pPr>
-            <a:lvl9pPr marL="2743200" indent="0" algn="ctr" defTabSz="342900" rtl="0" eaLnBrk="1" latinLnBrk="0" hangingPunct="1">
+              <a:buFont typeface="+mj-lt"/>
+              <a:buAutoNum type="arabicPeriod"/>
+            </a:pPr>
+            <a:r>
+              <a:rPr lang="en-GB" sz="1100" dirty="0"/>
+              <a:t>Using the serial to display values</a:t>
+            </a:r>
+          </a:p>
+          <a:p>
+            <a:pPr marL="180000" indent="-478483">
               <a:spcBef>
-                <a:spcPts val="750"/>
+                <a:spcPts val="300"/>
               </a:spcBef>
-              <a:spcAft>
-                <a:spcPts val="0"/>
-              </a:spcAft>
-              <a:buClr>
-                <a:schemeClr val="accent1"/>
-              </a:buClr>
-              <a:buSzPct val="80000"/>
-              <a:buFont typeface="Wingdings 3" charset="2"/>
-              <a:buNone/>
-              <a:defRPr sz="900" kern="1200">
-                <a:solidFill>
-                  <a:schemeClr val="tx1">
-                    <a:tint val="75000"/>
-                  </a:schemeClr>
-                </a:solidFill>
-                <a:latin typeface="+mn-lt"/>
-                <a:ea typeface="+mn-ea"/>
-                <a:cs typeface="+mn-cs"/>
-              </a:defRPr>
-            </a:lvl9pPr>
-          </a:lstStyle>
-          <a:p>
-            <a:r>
-              <a:rPr lang="en-GB" dirty="0" smtClean="0"/>
-              <a:t>PIC18FxxQ24</a:t>
-            </a:r>
-          </a:p>
-          <a:p>
-            <a:r>
-              <a:rPr lang="en-GB" dirty="0"/>
-              <a:t>Part 6 – Using the reset switch</a:t>
-            </a:r>
-            <a:endParaRPr lang="en-GB" dirty="0"/>
-          </a:p>
-        </p:txBody>
-      </p:sp>
-      <p:pic>
-        <p:nvPicPr>
-          <p:cNvPr id="10" name="Picture 2" descr="PIC18F26Q24"/>
-          <p:cNvPicPr>
-            <a:picLocks noChangeAspect="1" noChangeArrowheads="1"/>
-          </p:cNvPicPr>
-          <p:nvPr/>
-        </p:nvPicPr>
-        <p:blipFill>
-          <a:blip r:embed="rId3" cstate="print">
-            <a:extLst>
-              <a:ext uri="{28A0092B-C50C-407E-A947-70E740481C1C}">
-                <a14:useLocalDpi xmlns:a14="http://schemas.microsoft.com/office/drawing/2010/main" val="0"/>
-              </a:ext>
-            </a:extLst>
-          </a:blip>
-          <a:srcRect/>
-          <a:stretch>
-            <a:fillRect/>
-          </a:stretch>
-        </p:blipFill>
-        <p:spPr bwMode="auto">
-          <a:xfrm>
-            <a:off x="1907705" y="4116163"/>
-            <a:ext cx="1280738" cy="922132"/>
-          </a:xfrm>
-          <a:prstGeom prst="rect">
-            <a:avLst/>
-          </a:prstGeom>
-          <a:noFill/>
-          <a:extLst>
-            <a:ext uri="{909E8E84-426E-40DD-AFC4-6F175D3DCCD1}">
-              <a14:hiddenFill xmlns:a14="http://schemas.microsoft.com/office/drawing/2010/main">
-                <a:solidFill>
-                  <a:srgbClr val="FFFFFF"/>
-                </a:solidFill>
-              </a14:hiddenFill>
-            </a:ext>
-          </a:extLst>
-        </p:spPr>
-      </p:pic>
+              <a:buFont typeface="+mj-lt"/>
+              <a:buAutoNum type="arabicPeriod"/>
+            </a:pPr>
+            <a:r>
+              <a:rPr lang="en-GB" sz="1100" dirty="0"/>
+              <a:t>Using the timer0 overflow, 8bit timer, 16bit timer to flash the LEDs</a:t>
+            </a:r>
+          </a:p>
+          <a:p>
+            <a:pPr marL="180000" indent="-478483">
+              <a:spcBef>
+                <a:spcPts val="300"/>
+              </a:spcBef>
+              <a:buFont typeface="+mj-lt"/>
+              <a:buAutoNum type="arabicPeriod"/>
+            </a:pPr>
+            <a:r>
+              <a:rPr lang="en-GB" sz="1100" dirty="0"/>
+              <a:t>Using </a:t>
+            </a:r>
+            <a:r>
+              <a:rPr lang="en-GB" sz="1100" dirty="0" err="1"/>
+              <a:t>EEProm</a:t>
+            </a:r>
+            <a:r>
+              <a:rPr lang="en-GB" sz="1100" dirty="0"/>
+              <a:t> – showing values on the serial terminal, and more constants insights</a:t>
+            </a:r>
+          </a:p>
+          <a:p>
+            <a:pPr marL="180000" indent="-478483">
+              <a:spcBef>
+                <a:spcPts val="300"/>
+              </a:spcBef>
+              <a:buFont typeface="+mj-lt"/>
+              <a:buAutoNum type="arabicPeriod"/>
+            </a:pPr>
+            <a:r>
+              <a:rPr lang="en-GB" sz="1100" dirty="0"/>
+              <a:t>Using I2C with serial to discover I2C devices</a:t>
+            </a:r>
+          </a:p>
+          <a:p>
+            <a:pPr marL="180000" indent="-478483">
+              <a:spcBef>
+                <a:spcPts val="300"/>
+              </a:spcBef>
+              <a:buFont typeface="+mj-lt"/>
+              <a:buAutoNum type="arabicPeriod"/>
+            </a:pPr>
+            <a:r>
+              <a:rPr lang="en-GB" sz="1100" dirty="0"/>
+              <a:t>Using an I2C GCLD display</a:t>
+            </a:r>
+          </a:p>
+          <a:p>
+            <a:pPr marL="180000" indent="-478483">
+              <a:spcBef>
+                <a:spcPts val="300"/>
+              </a:spcBef>
+              <a:buFont typeface="+mj-lt"/>
+              <a:buAutoNum type="arabicPeriod"/>
+            </a:pPr>
+            <a:r>
+              <a:rPr lang="en-GB" sz="1100" dirty="0"/>
+              <a:t>Using a SPI GCLD display</a:t>
+            </a:r>
+          </a:p>
+          <a:p>
+            <a:pPr marL="180000" indent="-478483">
+              <a:spcBef>
+                <a:spcPts val="300"/>
+              </a:spcBef>
+              <a:buFont typeface="+mj-lt"/>
+              <a:buAutoNum type="arabicPeriod"/>
+            </a:pPr>
+            <a:r>
+              <a:rPr lang="en-GB" sz="1100" dirty="0"/>
+              <a:t>Using PWM, </a:t>
+            </a:r>
+            <a:r>
+              <a:rPr lang="en-GB" sz="1100" dirty="0" smtClean="0"/>
+              <a:t>many ways</a:t>
+            </a:r>
+            <a:r>
+              <a:rPr lang="en-GB" sz="1100" dirty="0"/>
+              <a:t>,  to dim the LEDS</a:t>
+            </a:r>
+          </a:p>
+          <a:p>
+            <a:pPr marL="180000" indent="-478483">
+              <a:spcBef>
+                <a:spcPts val="300"/>
+              </a:spcBef>
+              <a:buFont typeface="+mj-lt"/>
+              <a:buAutoNum type="arabicPeriod"/>
+            </a:pPr>
+            <a:r>
+              <a:rPr lang="en-GB" sz="1100" dirty="0"/>
+              <a:t>Using an external interrupt to control an LED</a:t>
+            </a:r>
+          </a:p>
+          <a:p>
+            <a:pPr marL="180000" indent="-478483">
+              <a:spcBef>
+                <a:spcPts val="300"/>
+              </a:spcBef>
+              <a:buFont typeface="+mj-lt"/>
+              <a:buAutoNum type="arabicPeriod"/>
+            </a:pPr>
+            <a:r>
+              <a:rPr lang="en-GB" sz="1100" dirty="0"/>
+              <a:t>Using storage within the chip – Progmem, </a:t>
+            </a:r>
+            <a:r>
+              <a:rPr lang="en-GB" sz="1100" dirty="0" smtClean="0"/>
+              <a:t>EEPROM </a:t>
+            </a:r>
+            <a:r>
+              <a:rPr lang="en-GB" sz="1100" dirty="0"/>
+              <a:t>and DATA blocks</a:t>
+            </a:r>
+          </a:p>
+          <a:p>
+            <a:pPr marL="180000" indent="-478483">
+              <a:spcBef>
+                <a:spcPts val="300"/>
+              </a:spcBef>
+              <a:buFont typeface="+mj-lt"/>
+              <a:buAutoNum type="arabicPeriod"/>
+            </a:pPr>
+            <a:r>
+              <a:rPr lang="en-GB" sz="1100" dirty="0" smtClean="0"/>
+              <a:t>The </a:t>
+            </a:r>
+            <a:r>
+              <a:rPr lang="en-GB" sz="1100" dirty="0"/>
+              <a:t>GCBASIC tool chain</a:t>
+            </a:r>
+          </a:p>
+          <a:p>
+            <a:pPr marL="180000" indent="-478483">
+              <a:spcBef>
+                <a:spcPts val="300"/>
+              </a:spcBef>
+              <a:buFont typeface="+mj-lt"/>
+              <a:buAutoNum type="arabicPeriod"/>
+            </a:pPr>
+            <a:r>
+              <a:rPr lang="en-GB" sz="1100" dirty="0"/>
+              <a:t>Assembly , alternatives assemblers and MPLAB-X</a:t>
+            </a:r>
+          </a:p>
+          <a:p>
+            <a:pPr marL="180000" indent="-478483">
+              <a:spcBef>
+                <a:spcPts val="300"/>
+              </a:spcBef>
+              <a:buFont typeface="+mj-lt"/>
+              <a:buAutoNum type="arabicPeriod"/>
+            </a:pPr>
+            <a:r>
+              <a:rPr lang="en-GB" sz="1100" dirty="0"/>
+              <a:t>Summary</a:t>
+            </a:r>
+          </a:p>
+          <a:p>
+            <a:pPr marL="180000" indent="-478483">
+              <a:spcBef>
+                <a:spcPts val="300"/>
+              </a:spcBef>
+              <a:buFont typeface="+mj-lt"/>
+              <a:buAutoNum type="arabicPeriod"/>
+            </a:pPr>
+            <a:endParaRPr lang="en-GB" sz="400" dirty="0" smtClean="0">
+              <a:solidFill>
+                <a:schemeClr val="bg1">
+                  <a:lumMod val="75000"/>
+                </a:schemeClr>
+              </a:solidFill>
+            </a:endParaRPr>
+          </a:p>
+          <a:p>
+            <a:pPr marL="180000" indent="-478483">
+              <a:spcBef>
+                <a:spcPts val="300"/>
+              </a:spcBef>
+              <a:buNone/>
+            </a:pPr>
+            <a:endParaRPr lang="en-GB" sz="700" dirty="0" smtClean="0"/>
+          </a:p>
+          <a:p>
+            <a:pPr marL="180000" indent="-478483">
+              <a:spcBef>
+                <a:spcPts val="300"/>
+              </a:spcBef>
+              <a:buFont typeface="+mj-lt"/>
+              <a:buAutoNum type="arabicPeriod"/>
+            </a:pPr>
+            <a:endParaRPr lang="en-GB" sz="700" dirty="0" smtClean="0"/>
+          </a:p>
+          <a:p>
+            <a:pPr marL="180000" indent="-478483">
+              <a:spcBef>
+                <a:spcPts val="300"/>
+              </a:spcBef>
+              <a:buFont typeface="+mj-lt"/>
+              <a:buAutoNum type="arabicPeriod"/>
+            </a:pPr>
+            <a:endParaRPr lang="en-GB" sz="500" dirty="0" smtClean="0"/>
+          </a:p>
+          <a:p>
+            <a:pPr marL="180000" indent="-478483">
+              <a:spcBef>
+                <a:spcPts val="300"/>
+              </a:spcBef>
+              <a:buFont typeface="+mj-lt"/>
+              <a:buAutoNum type="arabicPeriod"/>
+            </a:pPr>
+            <a:endParaRPr lang="en-GB" sz="500" dirty="0" smtClean="0"/>
+          </a:p>
+          <a:p>
+            <a:pPr marL="180000" indent="-478483">
+              <a:spcBef>
+                <a:spcPts val="300"/>
+              </a:spcBef>
+              <a:buFont typeface="+mj-lt"/>
+              <a:buAutoNum type="arabicPeriod"/>
+            </a:pPr>
+            <a:endParaRPr lang="en-GB" sz="500" dirty="0" smtClean="0"/>
+          </a:p>
+          <a:p>
+            <a:pPr marL="180000" indent="-478483">
+              <a:spcBef>
+                <a:spcPts val="300"/>
+              </a:spcBef>
+              <a:buFont typeface="+mj-lt"/>
+              <a:buAutoNum type="arabicPeriod"/>
+            </a:pPr>
+            <a:endParaRPr lang="en-GB" sz="500" dirty="0"/>
+          </a:p>
+        </p:txBody>
+      </p:sp>
     </p:spTree>
     <p:extLst>
       <p:ext uri="{BB962C8B-B14F-4D97-AF65-F5344CB8AC3E}">
-        <p14:creationId xmlns:p14="http://schemas.microsoft.com/office/powerpoint/2010/main" val="1074668350"/>
+        <p14:creationId xmlns:p14="http://schemas.microsoft.com/office/powerpoint/2010/main" val="1400148838"/>
       </p:ext>
     </p:extLst>
   </p:cSld>
@@ -10513,6 +10334,96 @@
       <p:transition spd="slow"/>
     </mc:Fallback>
   </mc:AlternateContent>
+  <p:timing>
+    <p:tnLst>
+      <p:par>
+        <p:cTn id="1" dur="indefinite" restart="never" nodeType="tmRoot"/>
+      </p:par>
+    </p:tnLst>
+  </p:timing>
+</p:sld>
+</file>
+
+<file path=ppt/slides/slide16.xml><?xml version="1.0" encoding="utf-8"?>
+<p:sld xmlns:a="http://schemas.openxmlformats.org/drawingml/2006/main" xmlns:r="http://schemas.openxmlformats.org/officeDocument/2006/relationships" xmlns:p="http://schemas.openxmlformats.org/presentationml/2006/main">
+  <p:cSld>
+    <p:spTree>
+      <p:nvGrpSpPr>
+        <p:cNvPr id="1" name=""/>
+        <p:cNvGrpSpPr/>
+        <p:nvPr/>
+      </p:nvGrpSpPr>
+      <p:grpSpPr>
+        <a:xfrm>
+          <a:off x="0" y="0"/>
+          <a:ext cx="0" cy="0"/>
+          <a:chOff x="0" y="0"/>
+          <a:chExt cx="0" cy="0"/>
+        </a:xfrm>
+      </p:grpSpPr>
+      <p:sp>
+        <p:nvSpPr>
+          <p:cNvPr id="4" name="Title 3"/>
+          <p:cNvSpPr>
+            <a:spLocks noGrp="1"/>
+          </p:cNvSpPr>
+          <p:nvPr>
+            <p:ph type="title"/>
+          </p:nvPr>
+        </p:nvSpPr>
+        <p:spPr/>
+        <p:txBody>
+          <a:bodyPr/>
+          <a:lstStyle/>
+          <a:p>
+            <a:r>
+              <a:rPr lang="en-GB" dirty="0" smtClean="0"/>
+              <a:t>GCBASIC</a:t>
+            </a:r>
+            <a:endParaRPr lang="en-GB" dirty="0"/>
+          </a:p>
+        </p:txBody>
+      </p:sp>
+      <p:sp>
+        <p:nvSpPr>
+          <p:cNvPr id="5" name="Text Placeholder 4"/>
+          <p:cNvSpPr>
+            <a:spLocks noGrp="1"/>
+          </p:cNvSpPr>
+          <p:nvPr>
+            <p:ph type="body" idx="1"/>
+          </p:nvPr>
+        </p:nvSpPr>
+        <p:spPr/>
+        <p:txBody>
+          <a:bodyPr>
+            <a:normAutofit/>
+          </a:bodyPr>
+          <a:lstStyle/>
+          <a:p>
+            <a:r>
+              <a:rPr lang="en-GB" dirty="0" smtClean="0"/>
+              <a:t>PIC16Fxxxx chip Family ( Legacy )</a:t>
+            </a:r>
+          </a:p>
+          <a:p>
+            <a:r>
+              <a:rPr lang="en-GB" dirty="0"/>
+              <a:t>Part 6 – Using the reset switch</a:t>
+            </a:r>
+          </a:p>
+        </p:txBody>
+      </p:sp>
+    </p:spTree>
+    <p:extLst>
+      <p:ext uri="{BB962C8B-B14F-4D97-AF65-F5344CB8AC3E}">
+        <p14:creationId xmlns:p14="http://schemas.microsoft.com/office/powerpoint/2010/main" val="2642813763"/>
+      </p:ext>
+    </p:extLst>
+  </p:cSld>
+  <p:clrMapOvr>
+    <a:masterClrMapping/>
+  </p:clrMapOvr>
   <p:timing>
     <p:tnLst>
       <p:par>
@@ -10563,6 +10474,52 @@
           </a:p>
         </p:txBody>
       </p:sp>
+      <p:sp>
+        <p:nvSpPr>
+          <p:cNvPr id="3" name="Subtitle 2"/>
+          <p:cNvSpPr>
+            <a:spLocks noGrp="1"/>
+          </p:cNvSpPr>
+          <p:nvPr>
+            <p:ph type="subTitle" idx="1"/>
+          </p:nvPr>
+        </p:nvSpPr>
+        <p:spPr>
+          <a:xfrm>
+            <a:off x="179513" y="2914650"/>
+            <a:ext cx="6840759" cy="1925352"/>
+          </a:xfrm>
+        </p:spPr>
+        <p:txBody>
+          <a:bodyPr>
+            <a:normAutofit/>
+          </a:bodyPr>
+          <a:lstStyle/>
+          <a:p>
+            <a:r>
+              <a:rPr lang="en-GB" dirty="0" smtClean="0"/>
+              <a:t>PIC16Fxxxx chip Family ( Legacy )</a:t>
+            </a:r>
+            <a:endParaRPr lang="en-GB" dirty="0"/>
+          </a:p>
+          <a:p>
+            <a:r>
+              <a:rPr lang="en-GB" dirty="0"/>
+              <a:t>Part 6 – Using the reset switch</a:t>
+            </a:r>
+          </a:p>
+          <a:p>
+            <a:endParaRPr lang="en-GB" dirty="0"/>
+          </a:p>
+          <a:p>
+            <a:r>
+              <a:rPr lang="en-GB" sz="1700" dirty="0" smtClean="0"/>
+              <a:t>January 2025</a:t>
+            </a:r>
+            <a:endParaRPr lang="en-GB" sz="1700" dirty="0"/>
+          </a:p>
+        </p:txBody>
+      </p:sp>
       <p:pic>
         <p:nvPicPr>
           <p:cNvPr id="1026" name="Picture 2" descr="D:\Build\AnobiumTransparent.jpg"/>
@@ -10619,303 +10576,12 @@
           </a:p>
         </p:txBody>
       </p:sp>
-      <p:sp>
-        <p:nvSpPr>
-          <p:cNvPr id="8" name="Text Placeholder 4"/>
-          <p:cNvSpPr txBox="1">
-            <a:spLocks/>
-          </p:cNvSpPr>
-          <p:nvPr/>
-        </p:nvSpPr>
-        <p:spPr>
-          <a:xfrm>
-            <a:off x="3805512" y="2931790"/>
-            <a:ext cx="3342861" cy="645300"/>
-          </a:xfrm>
-          <a:prstGeom prst="rect">
-            <a:avLst/>
-          </a:prstGeom>
-        </p:spPr>
-        <p:txBody>
-          <a:bodyPr vert="horz" lIns="68580" tIns="34290" rIns="68580" bIns="34290" rtlCol="0" anchor="t">
-            <a:normAutofit/>
-          </a:bodyPr>
-          <a:lstStyle>
-            <a:lvl1pPr marL="0" indent="0" algn="r" defTabSz="342900" rtl="0" eaLnBrk="1" latinLnBrk="0" hangingPunct="1">
-              <a:spcBef>
-                <a:spcPts val="750"/>
-              </a:spcBef>
-              <a:spcAft>
-                <a:spcPts val="0"/>
-              </a:spcAft>
-              <a:buClr>
-                <a:schemeClr val="accent1"/>
-              </a:buClr>
-              <a:buSzPct val="80000"/>
-              <a:buFont typeface="Wingdings 3" charset="2"/>
-              <a:buNone/>
-              <a:defRPr sz="1400" kern="1200">
-                <a:solidFill>
-                  <a:schemeClr val="tx1">
-                    <a:lumMod val="50000"/>
-                    <a:lumOff val="50000"/>
-                  </a:schemeClr>
-                </a:solidFill>
-                <a:latin typeface="+mn-lt"/>
-                <a:ea typeface="+mn-ea"/>
-                <a:cs typeface="+mn-cs"/>
-              </a:defRPr>
-            </a:lvl1pPr>
-            <a:lvl2pPr marL="342900" indent="0" algn="ctr" defTabSz="342900" rtl="0" eaLnBrk="1" latinLnBrk="0" hangingPunct="1">
-              <a:spcBef>
-                <a:spcPts val="750"/>
-              </a:spcBef>
-              <a:spcAft>
-                <a:spcPts val="0"/>
-              </a:spcAft>
-              <a:buClr>
-                <a:schemeClr val="accent1"/>
-              </a:buClr>
-              <a:buSzPct val="80000"/>
-              <a:buFont typeface="Wingdings 3" charset="2"/>
-              <a:buNone/>
-              <a:defRPr sz="1200" kern="1200">
-                <a:solidFill>
-                  <a:schemeClr val="tx1">
-                    <a:tint val="75000"/>
-                  </a:schemeClr>
-                </a:solidFill>
-                <a:latin typeface="+mn-lt"/>
-                <a:ea typeface="+mn-ea"/>
-                <a:cs typeface="+mn-cs"/>
-              </a:defRPr>
-            </a:lvl2pPr>
-            <a:lvl3pPr marL="685800" indent="0" algn="ctr" defTabSz="342900" rtl="0" eaLnBrk="1" latinLnBrk="0" hangingPunct="1">
-              <a:spcBef>
-                <a:spcPts val="750"/>
-              </a:spcBef>
-              <a:spcAft>
-                <a:spcPts val="0"/>
-              </a:spcAft>
-              <a:buClr>
-                <a:schemeClr val="accent1"/>
-              </a:buClr>
-              <a:buSzPct val="80000"/>
-              <a:buFont typeface="Wingdings 3" charset="2"/>
-              <a:buNone/>
-              <a:defRPr sz="1100" kern="1200">
-                <a:solidFill>
-                  <a:schemeClr val="tx1">
-                    <a:tint val="75000"/>
-                  </a:schemeClr>
-                </a:solidFill>
-                <a:latin typeface="+mn-lt"/>
-                <a:ea typeface="+mn-ea"/>
-                <a:cs typeface="+mn-cs"/>
-              </a:defRPr>
-            </a:lvl3pPr>
-            <a:lvl4pPr marL="1028700" indent="0" algn="ctr" defTabSz="342900" rtl="0" eaLnBrk="1" latinLnBrk="0" hangingPunct="1">
-              <a:spcBef>
-                <a:spcPts val="750"/>
-              </a:spcBef>
-              <a:spcAft>
-                <a:spcPts val="0"/>
-              </a:spcAft>
-              <a:buClr>
-                <a:schemeClr val="accent1"/>
-              </a:buClr>
-              <a:buSzPct val="80000"/>
-              <a:buFont typeface="Wingdings 3" charset="2"/>
-              <a:buNone/>
-              <a:defRPr sz="900" kern="1200">
-                <a:solidFill>
-                  <a:schemeClr val="tx1">
-                    <a:tint val="75000"/>
-                  </a:schemeClr>
-                </a:solidFill>
-                <a:latin typeface="+mn-lt"/>
-                <a:ea typeface="+mn-ea"/>
-                <a:cs typeface="+mn-cs"/>
-              </a:defRPr>
-            </a:lvl4pPr>
-            <a:lvl5pPr marL="1371600" indent="0" algn="ctr" defTabSz="342900" rtl="0" eaLnBrk="1" latinLnBrk="0" hangingPunct="1">
-              <a:spcBef>
-                <a:spcPts val="750"/>
-              </a:spcBef>
-              <a:spcAft>
-                <a:spcPts val="0"/>
-              </a:spcAft>
-              <a:buClr>
-                <a:schemeClr val="accent1"/>
-              </a:buClr>
-              <a:buSzPct val="80000"/>
-              <a:buFont typeface="Wingdings 3" charset="2"/>
-              <a:buNone/>
-              <a:defRPr sz="900" kern="1200">
-                <a:solidFill>
-                  <a:schemeClr val="tx1">
-                    <a:tint val="75000"/>
-                  </a:schemeClr>
-                </a:solidFill>
-                <a:latin typeface="+mn-lt"/>
-                <a:ea typeface="+mn-ea"/>
-                <a:cs typeface="+mn-cs"/>
-              </a:defRPr>
-            </a:lvl5pPr>
-            <a:lvl6pPr marL="1714500" indent="0" algn="ctr" defTabSz="342900" rtl="0" eaLnBrk="1" latinLnBrk="0" hangingPunct="1">
-              <a:spcBef>
-                <a:spcPts val="750"/>
-              </a:spcBef>
-              <a:spcAft>
-                <a:spcPts val="0"/>
-              </a:spcAft>
-              <a:buClr>
-                <a:schemeClr val="accent1"/>
-              </a:buClr>
-              <a:buSzPct val="80000"/>
-              <a:buFont typeface="Wingdings 3" charset="2"/>
-              <a:buNone/>
-              <a:defRPr sz="900" kern="1200">
-                <a:solidFill>
-                  <a:schemeClr val="tx1">
-                    <a:tint val="75000"/>
-                  </a:schemeClr>
-                </a:solidFill>
-                <a:latin typeface="+mn-lt"/>
-                <a:ea typeface="+mn-ea"/>
-                <a:cs typeface="+mn-cs"/>
-              </a:defRPr>
-            </a:lvl6pPr>
-            <a:lvl7pPr marL="2057400" indent="0" algn="ctr" defTabSz="342900" rtl="0" eaLnBrk="1" latinLnBrk="0" hangingPunct="1">
-              <a:spcBef>
-                <a:spcPts val="750"/>
-              </a:spcBef>
-              <a:spcAft>
-                <a:spcPts val="0"/>
-              </a:spcAft>
-              <a:buClr>
-                <a:schemeClr val="accent1"/>
-              </a:buClr>
-              <a:buSzPct val="80000"/>
-              <a:buFont typeface="Wingdings 3" charset="2"/>
-              <a:buNone/>
-              <a:defRPr sz="900" kern="1200">
-                <a:solidFill>
-                  <a:schemeClr val="tx1">
-                    <a:tint val="75000"/>
-                  </a:schemeClr>
-                </a:solidFill>
-                <a:latin typeface="+mn-lt"/>
-                <a:ea typeface="+mn-ea"/>
-                <a:cs typeface="+mn-cs"/>
-              </a:defRPr>
-            </a:lvl7pPr>
-            <a:lvl8pPr marL="2400300" indent="0" algn="ctr" defTabSz="342900" rtl="0" eaLnBrk="1" latinLnBrk="0" hangingPunct="1">
-              <a:spcBef>
-                <a:spcPts val="750"/>
-              </a:spcBef>
-              <a:spcAft>
-                <a:spcPts val="0"/>
-              </a:spcAft>
-              <a:buClr>
-                <a:schemeClr val="accent1"/>
-              </a:buClr>
-              <a:buSzPct val="80000"/>
-              <a:buFont typeface="Wingdings 3" charset="2"/>
-              <a:buNone/>
-              <a:defRPr sz="900" kern="1200">
-                <a:solidFill>
-                  <a:schemeClr val="tx1">
-                    <a:tint val="75000"/>
-                  </a:schemeClr>
-                </a:solidFill>
-                <a:latin typeface="+mn-lt"/>
-                <a:ea typeface="+mn-ea"/>
-                <a:cs typeface="+mn-cs"/>
-              </a:defRPr>
-            </a:lvl8pPr>
-            <a:lvl9pPr marL="2743200" indent="0" algn="ctr" defTabSz="342900" rtl="0" eaLnBrk="1" latinLnBrk="0" hangingPunct="1">
-              <a:spcBef>
-                <a:spcPts val="750"/>
-              </a:spcBef>
-              <a:spcAft>
-                <a:spcPts val="0"/>
-              </a:spcAft>
-              <a:buClr>
-                <a:schemeClr val="accent1"/>
-              </a:buClr>
-              <a:buSzPct val="80000"/>
-              <a:buFont typeface="Wingdings 3" charset="2"/>
-              <a:buNone/>
-              <a:defRPr sz="900" kern="1200">
-                <a:solidFill>
-                  <a:schemeClr val="tx1">
-                    <a:tint val="75000"/>
-                  </a:schemeClr>
-                </a:solidFill>
-                <a:latin typeface="+mn-lt"/>
-                <a:ea typeface="+mn-ea"/>
-                <a:cs typeface="+mn-cs"/>
-              </a:defRPr>
-            </a:lvl9pPr>
-          </a:lstStyle>
-          <a:p>
-            <a:r>
-              <a:rPr lang="en-GB" dirty="0" smtClean="0"/>
-              <a:t>PIC18FxxQ24</a:t>
-            </a:r>
-          </a:p>
-          <a:p>
-            <a:r>
-              <a:rPr lang="en-GB" dirty="0"/>
-              <a:t>Part 6 – Using the reset switch</a:t>
-            </a:r>
-            <a:endParaRPr lang="en-GB" dirty="0"/>
-          </a:p>
-        </p:txBody>
-      </p:sp>
-      <p:pic>
-        <p:nvPicPr>
-          <p:cNvPr id="10" name="Picture 2" descr="PIC18F26Q24"/>
-          <p:cNvPicPr>
-            <a:picLocks noChangeAspect="1" noChangeArrowheads="1"/>
-          </p:cNvPicPr>
-          <p:nvPr/>
-        </p:nvPicPr>
-        <p:blipFill>
-          <a:blip r:embed="rId3" cstate="print">
-            <a:extLst>
-              <a:ext uri="{28A0092B-C50C-407E-A947-70E740481C1C}">
-                <a14:useLocalDpi xmlns:a14="http://schemas.microsoft.com/office/drawing/2010/main" val="0"/>
-              </a:ext>
-            </a:extLst>
-          </a:blip>
-          <a:srcRect/>
-          <a:stretch>
-            <a:fillRect/>
-          </a:stretch>
-        </p:blipFill>
-        <p:spPr bwMode="auto">
-          <a:xfrm>
-            <a:off x="1907705" y="4116163"/>
-            <a:ext cx="1280738" cy="922132"/>
-          </a:xfrm>
-          <a:prstGeom prst="rect">
-            <a:avLst/>
-          </a:prstGeom>
-          <a:noFill/>
-          <a:extLst>
-            <a:ext uri="{909E8E84-426E-40DD-AFC4-6F175D3DCCD1}">
-              <a14:hiddenFill xmlns:a14="http://schemas.microsoft.com/office/drawing/2010/main">
-                <a:solidFill>
-                  <a:srgbClr val="FFFFFF"/>
-                </a:solidFill>
-              </a14:hiddenFill>
-            </a:ext>
-          </a:extLst>
-        </p:spPr>
-      </p:pic>
     </p:spTree>
+    <p:extLst>
+      <p:ext uri="{BB962C8B-B14F-4D97-AF65-F5344CB8AC3E}">
+        <p14:creationId xmlns:p14="http://schemas.microsoft.com/office/powerpoint/2010/main" val="2474964916"/>
+      </p:ext>
+    </p:extLst>
   </p:cSld>
   <p:clrMapOvr>
     <a:masterClrMapping/>
@@ -11111,121 +10777,10 @@
           </a:p>
         </p:txBody>
       </p:sp>
-      <p:pic>
-        <p:nvPicPr>
-          <p:cNvPr id="8" name="Picture 2" descr="PIC18F26Q24"/>
-          <p:cNvPicPr>
-            <a:picLocks noChangeAspect="1" noChangeArrowheads="1"/>
-          </p:cNvPicPr>
-          <p:nvPr/>
-        </p:nvPicPr>
-        <p:blipFill>
-          <a:blip r:embed="rId3" cstate="print">
-            <a:extLst>
-              <a:ext uri="{28A0092B-C50C-407E-A947-70E740481C1C}">
-                <a14:useLocalDpi xmlns:a14="http://schemas.microsoft.com/office/drawing/2010/main" val="0"/>
-              </a:ext>
-            </a:extLst>
-          </a:blip>
-          <a:srcRect/>
-          <a:stretch>
-            <a:fillRect/>
-          </a:stretch>
-        </p:blipFill>
-        <p:spPr bwMode="auto">
-          <a:xfrm>
-            <a:off x="1907705" y="4116163"/>
-            <a:ext cx="1280738" cy="922132"/>
-          </a:xfrm>
-          <a:prstGeom prst="rect">
-            <a:avLst/>
-          </a:prstGeom>
-          <a:noFill/>
-          <a:extLst>
-            <a:ext uri="{909E8E84-426E-40DD-AFC4-6F175D3DCCD1}">
-              <a14:hiddenFill xmlns:a14="http://schemas.microsoft.com/office/drawing/2010/main">
-                <a:solidFill>
-                  <a:srgbClr val="FFFFFF"/>
-                </a:solidFill>
-              </a14:hiddenFill>
-            </a:ext>
-          </a:extLst>
-        </p:spPr>
-      </p:pic>
-      <p:pic>
-        <p:nvPicPr>
-          <p:cNvPr id="10" name="Picture 8" descr="C:\Users\admin\OneDrive\Desktop\Picture1.jpg"/>
-          <p:cNvPicPr>
-            <a:picLocks noChangeAspect="1" noChangeArrowheads="1"/>
-          </p:cNvPicPr>
-          <p:nvPr/>
-        </p:nvPicPr>
-        <p:blipFill>
-          <a:blip r:embed="rId4">
-            <a:extLst>
-              <a:ext uri="{28A0092B-C50C-407E-A947-70E740481C1C}">
-                <a14:useLocalDpi xmlns:a14="http://schemas.microsoft.com/office/drawing/2010/main" val="0"/>
-              </a:ext>
-            </a:extLst>
-          </a:blip>
-          <a:srcRect/>
-          <a:stretch>
-            <a:fillRect/>
-          </a:stretch>
-        </p:blipFill>
-        <p:spPr bwMode="auto">
-          <a:xfrm>
-            <a:off x="3995936" y="3937587"/>
-            <a:ext cx="2320300" cy="1129258"/>
-          </a:xfrm>
-          <a:prstGeom prst="rect">
-            <a:avLst/>
-          </a:prstGeom>
-          <a:noFill/>
-          <a:extLst>
-            <a:ext uri="{909E8E84-426E-40DD-AFC4-6F175D3DCCD1}">
-              <a14:hiddenFill xmlns:a14="http://schemas.microsoft.com/office/drawing/2010/main">
-                <a:solidFill>
-                  <a:srgbClr val="FFFFFF"/>
-                </a:solidFill>
-              </a14:hiddenFill>
-            </a:ext>
-          </a:extLst>
-        </p:spPr>
-      </p:pic>
-      <p:sp>
-        <p:nvSpPr>
-          <p:cNvPr id="11" name="Date Placeholder 3"/>
-          <p:cNvSpPr>
-            <a:spLocks noGrp="1"/>
-          </p:cNvSpPr>
-          <p:nvPr>
-            <p:ph type="dt" sz="half" idx="10"/>
-          </p:nvPr>
-        </p:nvSpPr>
-        <p:spPr>
-          <a:xfrm>
-            <a:off x="6113182" y="4384422"/>
-            <a:ext cx="354882" cy="305233"/>
-          </a:xfrm>
-        </p:spPr>
-        <p:txBody>
-          <a:bodyPr/>
-          <a:lstStyle/>
-          <a:p>
-            <a:fld id="{1E700B27-DE4C-4B9E-BB11-B9027034A00F}" type="datetimeFigureOut">
-              <a:rPr lang="en-US" smtClean="0"/>
-              <a:pPr/>
-              <a:t>11/19/2024</a:t>
-            </a:fld>
-            <a:endParaRPr lang="en-US" dirty="0"/>
-          </a:p>
-        </p:txBody>
-      </p:sp>
     </p:spTree>
     <p:extLst>
       <p:ext uri="{BB962C8B-B14F-4D97-AF65-F5344CB8AC3E}">
-        <p14:creationId xmlns:p14="http://schemas.microsoft.com/office/powerpoint/2010/main" val="2553573428"/>
+        <p14:creationId xmlns:p14="http://schemas.microsoft.com/office/powerpoint/2010/main" val="2039304613"/>
       </p:ext>
     </p:extLst>
   </p:cSld>
@@ -11285,7 +10840,7 @@
             <a:pPr algn="l"/>
             <a:r>
               <a:rPr lang="en-GB" dirty="0" smtClean="0"/>
-              <a:t>PIC18FxxQ24</a:t>
+              <a:t>PIC16Fxxxx</a:t>
             </a:r>
             <a:endParaRPr lang="en-GB" dirty="0"/>
           </a:p>
@@ -11304,27 +10859,39 @@
         <p:spPr/>
         <p:txBody>
           <a:bodyPr>
-            <a:normAutofit fontScale="92500" lnSpcReduction="10000"/>
+            <a:normAutofit/>
           </a:bodyPr>
           <a:lstStyle/>
           <a:p>
             <a:r>
+              <a:rPr lang="en-GB" dirty="0"/>
+              <a:t>PIC16Fxxxx </a:t>
+            </a:r>
+            <a:r>
               <a:rPr lang="en-GB" dirty="0" smtClean="0"/>
-              <a:t>PIC18-Q24 is a high performance PIC18 </a:t>
+              <a:t> is a high performance PIC16</a:t>
             </a:r>
           </a:p>
           <a:p>
             <a:pPr lvl="1"/>
             <a:r>
               <a:rPr lang="en-GB" dirty="0" smtClean="0"/>
-              <a:t>Digital and Analog peripherals </a:t>
+              <a:t>Digital and </a:t>
+            </a:r>
+            <a:r>
+              <a:rPr lang="en-GB" dirty="0" err="1" smtClean="0"/>
+              <a:t>Analog</a:t>
+            </a:r>
+            <a:r>
+              <a:rPr lang="en-GB" dirty="0" smtClean="0"/>
+              <a:t> peripherals </a:t>
             </a:r>
           </a:p>
           <a:p>
             <a:pPr lvl="1"/>
             <a:r>
               <a:rPr lang="en-GB" dirty="0" smtClean="0"/>
-              <a:t>10-bit ADC</a:t>
+              <a:t>8 –bit or 10-bit ADC</a:t>
             </a:r>
           </a:p>
           <a:p>
@@ -11349,26 +10916,12 @@
             </a:r>
           </a:p>
           <a:p>
-            <a:pPr lvl="1"/>
+            <a:endParaRPr lang="en-GB" dirty="0" smtClean="0"/>
+          </a:p>
+          <a:p>
             <a:r>
               <a:rPr lang="en-GB" dirty="0" smtClean="0"/>
-              <a:t>Configurable Logic Cells</a:t>
-            </a:r>
-          </a:p>
-          <a:p>
-            <a:pPr lvl="1"/>
-            <a:r>
-              <a:rPr lang="en-GB" dirty="0" smtClean="0"/>
-              <a:t>Multi voltage domains</a:t>
-            </a:r>
-          </a:p>
-          <a:p>
-            <a:endParaRPr lang="en-GB" dirty="0" smtClean="0"/>
-          </a:p>
-          <a:p>
-            <a:r>
-              <a:rPr lang="en-GB" dirty="0" smtClean="0"/>
-              <a:t>The PIC18xxQ24 offers 28, 40 and 48-pin products in small footprint packages to support customers in a wide variety of applications. </a:t>
+              <a:t>The PIC16 offers 8, 14,18,20, 28, 40 and 48-pin packages to support customers in a wide variety of applications. </a:t>
             </a:r>
           </a:p>
           <a:p>
@@ -11377,6 +10930,11 @@
         </p:txBody>
       </p:sp>
     </p:spTree>
+    <p:extLst>
+      <p:ext uri="{BB962C8B-B14F-4D97-AF65-F5344CB8AC3E}">
+        <p14:creationId xmlns:p14="http://schemas.microsoft.com/office/powerpoint/2010/main" val="2155543500"/>
+      </p:ext>
+    </p:extLst>
   </p:cSld>
   <p:clrMapOvr>
     <a:masterClrMapping/>
@@ -11475,8 +11033,13 @@
             </a:pPr>
             <a:r>
               <a:rPr lang="en-GB" sz="1100" dirty="0"/>
-              <a:t>Install the hardware and make the board work – three LED programs</a:t>
-            </a:r>
+              <a:t>Install the hardware and make the board work </a:t>
+            </a:r>
+            <a:r>
+              <a:rPr lang="en-GB" sz="1100" dirty="0" smtClean="0"/>
+              <a:t>– make LEDs work</a:t>
+            </a:r>
+            <a:endParaRPr lang="en-GB" sz="1100" b="1" dirty="0"/>
           </a:p>
           <a:p>
             <a:pPr marL="180000" indent="-478483">
@@ -11592,7 +11155,15 @@
             </a:pPr>
             <a:r>
               <a:rPr lang="en-GB" sz="1100" dirty="0"/>
-              <a:t>Using EEProm – showing values on the serial terminal, and more constants insights</a:t>
+              <a:t>Using </a:t>
+            </a:r>
+            <a:r>
+              <a:rPr lang="en-GB" sz="1100" dirty="0" err="1"/>
+              <a:t>EEProm</a:t>
+            </a:r>
+            <a:r>
+              <a:rPr lang="en-GB" sz="1100" dirty="0"/>
+              <a:t> – showing values on the serial terminal, and more constants insights</a:t>
             </a:r>
           </a:p>
           <a:p>
@@ -11644,7 +11215,15 @@
             </a:pPr>
             <a:r>
               <a:rPr lang="en-GB" sz="1100" dirty="0"/>
-              <a:t>Using PWM, 7  ways,  to dim the LEDS</a:t>
+              <a:t>Using PWM, </a:t>
+            </a:r>
+            <a:r>
+              <a:rPr lang="en-GB" sz="1100" dirty="0" smtClean="0"/>
+              <a:t>many ways</a:t>
+            </a:r>
+            <a:r>
+              <a:rPr lang="en-GB" sz="1100" dirty="0"/>
+              <a:t>,  to dim the LEDS</a:t>
             </a:r>
           </a:p>
           <a:p>
@@ -11670,7 +11249,15 @@
             </a:pPr>
             <a:r>
               <a:rPr lang="en-GB" sz="1100" dirty="0"/>
-              <a:t>Using storage within the chip – Progmem, SAF memory, EEPROM and DATA blocks</a:t>
+              <a:t>Using storage within the chip – Progmem, </a:t>
+            </a:r>
+            <a:r>
+              <a:rPr lang="en-GB" sz="1100" dirty="0" smtClean="0"/>
+              <a:t>EEPROM </a:t>
+            </a:r>
+            <a:r>
+              <a:rPr lang="en-GB" sz="1100" dirty="0"/>
+              <a:t>and DATA blocks</a:t>
             </a:r>
           </a:p>
           <a:p>
@@ -11682,21 +11269,12 @@
               <a:buAutoNum type="arabicPeriod"/>
             </a:pPr>
             <a:r>
+              <a:rPr lang="en-GB" sz="1100" dirty="0" smtClean="0"/>
+              <a:t>The </a:t>
+            </a:r>
+            <a:r>
               <a:rPr lang="en-GB" sz="1100" dirty="0"/>
-              <a:t>Using CLC</a:t>
-            </a:r>
-          </a:p>
-          <a:p>
-            <a:pPr marL="180000" indent="-478483">
-              <a:spcBef>
-                <a:spcPts val="300"/>
-              </a:spcBef>
-              <a:buFont typeface="+mj-lt"/>
-              <a:buAutoNum type="arabicPeriod"/>
-            </a:pPr>
-            <a:r>
-              <a:rPr lang="en-GB" sz="1100" dirty="0"/>
-              <a:t>The GCBASIC tool chain</a:t>
+              <a:t>GCBASIC tool chain</a:t>
             </a:r>
           </a:p>
           <a:p>
@@ -11805,7 +11383,7 @@
     </p:spTree>
     <p:extLst>
       <p:ext uri="{BB962C8B-B14F-4D97-AF65-F5344CB8AC3E}">
-        <p14:creationId xmlns:p14="http://schemas.microsoft.com/office/powerpoint/2010/main" val="1947865557"/>
+        <p14:creationId xmlns:p14="http://schemas.microsoft.com/office/powerpoint/2010/main" val="3369613724"/>
       </p:ext>
     </p:extLst>
   </p:cSld>
@@ -11831,7 +11409,7 @@
 </file>
 
 <file path=ppt/slides/slide6.xml><?xml version="1.0" encoding="utf-8"?>
-<p:sld xmlns:a="http://schemas.openxmlformats.org/drawingml/2006/main" xmlns:r="http://schemas.openxmlformats.org/officeDocument/2006/relationships" xmlns:p="http://schemas.openxmlformats.org/presentationml/2006/main" show="0">
+<p:sld xmlns:a="http://schemas.openxmlformats.org/drawingml/2006/main" xmlns:r="http://schemas.openxmlformats.org/officeDocument/2006/relationships" xmlns:p="http://schemas.openxmlformats.org/presentationml/2006/main">
   <p:cSld>
     <p:spTree>
       <p:nvGrpSpPr>
@@ -11928,7 +11506,7 @@
         <p:spPr>
           <a:xfrm>
             <a:off x="3563888" y="2643758"/>
-            <a:ext cx="3528392" cy="1393943"/>
+            <a:ext cx="3528392" cy="1655553"/>
           </a:xfrm>
           <a:prstGeom prst="rect">
             <a:avLst/>
@@ -11943,7 +11521,7 @@
           <a:p>
             <a:r>
               <a:rPr lang="en-GB" dirty="0" smtClean="0"/>
-              <a:t>GCBASIC is an Open Source compiler for PIC and AVR microcontrollers</a:t>
+              <a:t>GCBASIC is an Open Source compiler for PIC, AVR and LGT microcontrollers</a:t>
             </a:r>
           </a:p>
           <a:p>
@@ -11952,13 +11530,18 @@
           <a:p>
             <a:r>
               <a:rPr lang="en-GB" dirty="0" smtClean="0"/>
-              <a:t>GCBASIC now supports the 18FxxQ24 chip family</a:t>
+              <a:t>GCBASIC supports the 16Fxxxx chip family</a:t>
             </a:r>
             <a:endParaRPr lang="en-GB" dirty="0"/>
           </a:p>
         </p:txBody>
       </p:sp>
     </p:spTree>
+    <p:extLst>
+      <p:ext uri="{BB962C8B-B14F-4D97-AF65-F5344CB8AC3E}">
+        <p14:creationId xmlns:p14="http://schemas.microsoft.com/office/powerpoint/2010/main" val="3096521985"/>
+      </p:ext>
+    </p:extLst>
   </p:cSld>
   <p:clrMapOvr>
     <a:masterClrMapping/>
@@ -11984,14 +11567,6 @@
 <file path=ppt/slides/slide7.xml><?xml version="1.0" encoding="utf-8"?>
 <p:sld xmlns:a="http://schemas.openxmlformats.org/drawingml/2006/main" xmlns:r="http://schemas.openxmlformats.org/officeDocument/2006/relationships" xmlns:p="http://schemas.openxmlformats.org/presentationml/2006/main">
   <p:cSld>
-    <p:bg>
-      <p:bgPr>
-        <a:solidFill>
-          <a:schemeClr val="bg1"/>
-        </a:solidFill>
-        <a:effectLst/>
-      </p:bgPr>
-    </p:bg>
     <p:spTree>
       <p:nvGrpSpPr>
         <p:cNvPr id="1" name=""/>
@@ -12068,7 +11643,7 @@
             <a:pPr marL="778521" lvl="1" indent="-478483"/>
             <a:r>
               <a:rPr lang="en-GB" dirty="0" smtClean="0"/>
-              <a:t>Test that you have the 18FxxQ24 attached</a:t>
+              <a:t>Test that you have the PIC attached</a:t>
             </a:r>
           </a:p>
           <a:p>
@@ -12092,17 +11667,10 @@
               <a:t>You have </a:t>
             </a:r>
             <a:r>
-              <a:rPr lang="en-GB" dirty="0" err="1" smtClean="0"/>
-              <a:t>SWITCHes</a:t>
-            </a:r>
-            <a:r>
-              <a:rPr lang="en-GB" dirty="0" smtClean="0"/>
-              <a:t> </a:t>
-            </a:r>
-            <a:r>
-              <a:rPr lang="en-GB" dirty="0" smtClean="0"/>
-              <a:t>connected</a:t>
-            </a:r>
+              <a:rPr lang="en-GB" smtClean="0"/>
+              <a:t>switches connected</a:t>
+            </a:r>
+            <a:endParaRPr lang="en-GB" dirty="0" smtClean="0"/>
           </a:p>
           <a:p>
             <a:pPr marL="0" indent="0">
@@ -12118,303 +11686,15 @@
           </a:p>
         </p:txBody>
       </p:sp>
-    </p:spTree>
-  </p:cSld>
-  <p:clrMapOvr>
-    <a:overrideClrMapping bg1="lt1" tx1="dk1" bg2="lt2" tx2="dk2" accent1="accent1" accent2="accent2" accent3="accent3" accent4="accent4" accent5="accent5" accent6="accent6" hlink="hlink" folHlink="folHlink"/>
-  </p:clrMapOvr>
-  <mc:AlternateContent xmlns:mc="http://schemas.openxmlformats.org/markup-compatibility/2006" xmlns:p14="http://schemas.microsoft.com/office/powerpoint/2010/main">
-    <mc:Choice Requires="p14">
-      <p:transition spd="slow" p14:dur="2000"/>
-    </mc:Choice>
-    <mc:Fallback xmlns="">
-      <p:transition spd="slow"/>
-    </mc:Fallback>
-  </mc:AlternateContent>
-  <p:timing>
-    <p:tnLst>
-      <p:par>
-        <p:cTn id="1" dur="indefinite" restart="never" nodeType="tmRoot"/>
-      </p:par>
-    </p:tnLst>
-  </p:timing>
-</p:sld>
-</file>
-
-<file path=ppt/slides/slide8.xml><?xml version="1.0" encoding="utf-8"?>
-<p:sld xmlns:a="http://schemas.openxmlformats.org/drawingml/2006/main" xmlns:r="http://schemas.openxmlformats.org/officeDocument/2006/relationships" xmlns:p="http://schemas.openxmlformats.org/presentationml/2006/main">
-  <p:cSld>
-    <p:spTree>
-      <p:nvGrpSpPr>
-        <p:cNvPr id="1" name=""/>
-        <p:cNvGrpSpPr/>
-        <p:nvPr/>
-      </p:nvGrpSpPr>
-      <p:grpSpPr>
-        <a:xfrm>
-          <a:off x="0" y="0"/>
-          <a:ext cx="0" cy="0"/>
-          <a:chOff x="0" y="0"/>
-          <a:chExt cx="0" cy="0"/>
-        </a:xfrm>
-      </p:grpSpPr>
-      <p:sp>
-        <p:nvSpPr>
-          <p:cNvPr id="2" name="Title 1"/>
-          <p:cNvSpPr>
-            <a:spLocks noGrp="1"/>
-          </p:cNvSpPr>
-          <p:nvPr>
-            <p:ph type="title"/>
-          </p:nvPr>
-        </p:nvSpPr>
-        <p:spPr>
-          <a:xfrm>
-            <a:off x="179512" y="483518"/>
-            <a:ext cx="6120680" cy="384288"/>
-          </a:xfrm>
-          <a:solidFill>
-            <a:schemeClr val="bg1"/>
-          </a:solidFill>
-        </p:spPr>
-        <p:txBody>
-          <a:bodyPr vert="horz" lIns="0" tIns="0" rIns="0" bIns="0" rtlCol="0" anchor="t">
-            <a:normAutofit fontScale="90000"/>
-          </a:bodyPr>
-          <a:lstStyle/>
-          <a:p>
-            <a:pPr algn="l"/>
-            <a:r>
-              <a:rPr lang="en-GB" dirty="0" smtClean="0"/>
-              <a:t>Using the Reset as input or Master Clear</a:t>
-            </a:r>
-            <a:endParaRPr lang="en-GB" dirty="0"/>
-          </a:p>
-        </p:txBody>
-      </p:sp>
-      <p:sp>
-        <p:nvSpPr>
-          <p:cNvPr id="3" name="Content Placeholder 2"/>
-          <p:cNvSpPr>
-            <a:spLocks noGrp="1"/>
-          </p:cNvSpPr>
-          <p:nvPr>
-            <p:ph idx="1"/>
-          </p:nvPr>
-        </p:nvSpPr>
-        <p:spPr/>
-        <p:txBody>
-          <a:bodyPr>
-            <a:normAutofit/>
-          </a:bodyPr>
-          <a:lstStyle/>
-          <a:p>
-            <a:r>
-              <a:rPr lang="en-GB" dirty="0" smtClean="0"/>
-              <a:t>The switch is connected </a:t>
-            </a:r>
-            <a:r>
-              <a:rPr lang="en-GB" dirty="0" smtClean="0"/>
-              <a:t>RE3</a:t>
-            </a:r>
-            <a:endParaRPr lang="en-GB" dirty="0" smtClean="0"/>
-          </a:p>
-          <a:p>
-            <a:endParaRPr lang="en-GB" i="1" dirty="0" smtClean="0"/>
-          </a:p>
-          <a:p>
-            <a:r>
-              <a:rPr lang="en-GB" dirty="0" smtClean="0"/>
-              <a:t>The configuration switches control the operation of </a:t>
-            </a:r>
-            <a:r>
-              <a:rPr lang="en-GB" dirty="0" smtClean="0"/>
-              <a:t>RE3</a:t>
-            </a:r>
-            <a:endParaRPr lang="en-GB" dirty="0" smtClean="0"/>
-          </a:p>
-          <a:p>
-            <a:pPr lvl="1"/>
-            <a:r>
-              <a:rPr lang="en-GB" dirty="0" smtClean="0"/>
-              <a:t>MCRLE</a:t>
-            </a:r>
-          </a:p>
-          <a:p>
-            <a:pPr lvl="2"/>
-            <a:r>
-              <a:rPr lang="en-GB" i="1" dirty="0" smtClean="0"/>
-              <a:t>EXTMCRL - </a:t>
-            </a:r>
-            <a:r>
-              <a:rPr lang="en-GB" dirty="0" smtClean="0"/>
-              <a:t>pin is MCLR</a:t>
-            </a:r>
-            <a:endParaRPr lang="en-GB" i="1" dirty="0" smtClean="0"/>
-          </a:p>
-          <a:p>
-            <a:pPr lvl="2"/>
-            <a:r>
-              <a:rPr lang="en-GB" i="1" dirty="0" smtClean="0"/>
-              <a:t>INTMCRL - </a:t>
-            </a:r>
-            <a:r>
-              <a:rPr lang="en-GB" dirty="0" smtClean="0"/>
-              <a:t>pin function is port defined function</a:t>
-            </a:r>
-            <a:endParaRPr lang="en-GB" i="1" dirty="0" smtClean="0"/>
-          </a:p>
-          <a:p>
-            <a:pPr lvl="2">
-              <a:buNone/>
-            </a:pPr>
-            <a:endParaRPr lang="en-GB" i="1" dirty="0" smtClean="0"/>
-          </a:p>
-          <a:p>
-            <a:pPr lvl="2">
-              <a:buNone/>
-            </a:pPr>
-            <a:endParaRPr lang="en-GB" dirty="0"/>
-          </a:p>
-        </p:txBody>
-      </p:sp>
-      <p:sp>
-        <p:nvSpPr>
-          <p:cNvPr id="7" name="Rectangle 6"/>
-          <p:cNvSpPr/>
-          <p:nvPr/>
-        </p:nvSpPr>
-        <p:spPr>
-          <a:xfrm>
-            <a:off x="6690742" y="3843784"/>
-            <a:ext cx="360040" cy="248518"/>
-          </a:xfrm>
-          <a:prstGeom prst="rect">
-            <a:avLst/>
-          </a:prstGeom>
-          <a:solidFill>
-            <a:schemeClr val="bg1"/>
-          </a:solidFill>
-          <a:ln>
-            <a:noFill/>
-          </a:ln>
-        </p:spPr>
-        <p:style>
-          <a:lnRef idx="2">
-            <a:schemeClr val="accent1">
-              <a:shade val="50000"/>
-            </a:schemeClr>
-          </a:lnRef>
-          <a:fillRef idx="1">
-            <a:schemeClr val="accent1"/>
-          </a:fillRef>
-          <a:effectRef idx="0">
-            <a:schemeClr val="accent1"/>
-          </a:effectRef>
-          <a:fontRef idx="minor">
-            <a:schemeClr val="lt1"/>
-          </a:fontRef>
-        </p:style>
-        <p:txBody>
-          <a:bodyPr rtlCol="0" anchor="ctr"/>
-          <a:lstStyle/>
-          <a:p>
-            <a:pPr algn="ctr"/>
-            <a:endParaRPr lang="en-GB"/>
-          </a:p>
-        </p:txBody>
-      </p:sp>
-      <p:cxnSp>
-        <p:nvCxnSpPr>
-          <p:cNvPr id="6" name="Straight Connector 5"/>
-          <p:cNvCxnSpPr/>
-          <p:nvPr/>
-        </p:nvCxnSpPr>
-        <p:spPr>
-          <a:xfrm>
-            <a:off x="6684491" y="3924151"/>
-            <a:ext cx="373534" cy="149"/>
-          </a:xfrm>
-          <a:prstGeom prst="line">
-            <a:avLst/>
-          </a:prstGeom>
-          <a:ln w="12700">
-            <a:solidFill>
-              <a:schemeClr val="tx1"/>
-            </a:solidFill>
-          </a:ln>
-        </p:spPr>
-        <p:style>
-          <a:lnRef idx="1">
-            <a:schemeClr val="accent1"/>
-          </a:lnRef>
-          <a:fillRef idx="0">
-            <a:schemeClr val="accent1"/>
-          </a:fillRef>
-          <a:effectRef idx="0">
-            <a:schemeClr val="accent1"/>
-          </a:effectRef>
-          <a:fontRef idx="minor">
-            <a:schemeClr val="tx1"/>
-          </a:fontRef>
-        </p:style>
-      </p:cxnSp>
-    </p:spTree>
-    <p:extLst>
-      <p:ext uri="{BB962C8B-B14F-4D97-AF65-F5344CB8AC3E}">
-        <p14:creationId xmlns:p14="http://schemas.microsoft.com/office/powerpoint/2010/main" val="2666087484"/>
-      </p:ext>
-    </p:extLst>
-  </p:cSld>
-  <p:clrMapOvr>
-    <a:masterClrMapping/>
-  </p:clrMapOvr>
-  <mc:AlternateContent xmlns:mc="http://schemas.openxmlformats.org/markup-compatibility/2006">
-    <mc:Choice xmlns:p14="http://schemas.microsoft.com/office/powerpoint/2010/main" Requires="p14">
-      <p:transition spd="slow" p14:dur="2000" advClick="0"/>
-    </mc:Choice>
-    <mc:Fallback>
-      <p:transition spd="slow" advClick="0"/>
-    </mc:Fallback>
-  </mc:AlternateContent>
-  <p:timing>
-    <p:tnLst>
-      <p:par>
-        <p:cTn id="1" dur="indefinite" restart="never" nodeType="tmRoot"/>
-      </p:par>
-    </p:tnLst>
-  </p:timing>
-</p:sld>
-</file>
-
-<file path=ppt/slides/slide9.xml><?xml version="1.0" encoding="utf-8"?>
-<p:sld xmlns:a="http://schemas.openxmlformats.org/drawingml/2006/main" xmlns:r="http://schemas.openxmlformats.org/officeDocument/2006/relationships" xmlns:p="http://schemas.openxmlformats.org/presentationml/2006/main">
-  <p:cSld>
-    <p:spTree>
-      <p:nvGrpSpPr>
-        <p:cNvPr id="1" name=""/>
-        <p:cNvGrpSpPr/>
-        <p:nvPr/>
-      </p:nvGrpSpPr>
-      <p:grpSpPr>
-        <a:xfrm>
-          <a:off x="0" y="0"/>
-          <a:ext cx="0" cy="0"/>
-          <a:chOff x="0" y="0"/>
-          <a:chExt cx="0" cy="0"/>
-        </a:xfrm>
-      </p:grpSpPr>
       <p:pic>
         <p:nvPicPr>
-          <p:cNvPr id="9" name="Picture 2"/>
+          <p:cNvPr id="4" name="Picture 2"/>
           <p:cNvPicPr>
-            <a:picLocks noGrp="1" noChangeAspect="1" noChangeArrowheads="1"/>
+            <a:picLocks noChangeAspect="1" noChangeArrowheads="1"/>
           </p:cNvPicPr>
-          <p:nvPr>
-            <p:ph idx="1"/>
-          </p:nvPr>
+          <p:nvPr/>
         </p:nvPicPr>
-        <p:blipFill rotWithShape="1">
+        <p:blipFill>
           <a:blip r:embed="rId2">
             <a:extLst>
               <a:ext uri="{28A0092B-C50C-407E-A947-70E740481C1C}">
@@ -12422,13 +11702,15 @@
               </a:ext>
             </a:extLst>
           </a:blip>
-          <a:srcRect l="6459" r="22745" b="29280"/>
-          <a:stretch/>
+          <a:srcRect/>
+          <a:stretch>
+            <a:fillRect/>
+          </a:stretch>
         </p:blipFill>
         <p:spPr bwMode="auto">
           <a:xfrm>
-            <a:off x="882650" y="1491631"/>
-            <a:ext cx="3619500" cy="3156570"/>
+            <a:off x="5436096" y="1582266"/>
+            <a:ext cx="3448050" cy="2933700"/>
           </a:xfrm>
           <a:prstGeom prst="rect">
             <a:avLst/>
@@ -12468,6 +11750,726 @@
           </a:extLst>
         </p:spPr>
       </p:pic>
+    </p:spTree>
+    <p:extLst>
+      <p:ext uri="{BB962C8B-B14F-4D97-AF65-F5344CB8AC3E}">
+        <p14:creationId xmlns:p14="http://schemas.microsoft.com/office/powerpoint/2010/main" val="2320771558"/>
+      </p:ext>
+    </p:extLst>
+  </p:cSld>
+  <p:clrMapOvr>
+    <a:masterClrMapping/>
+  </p:clrMapOvr>
+  <mc:AlternateContent xmlns:mc="http://schemas.openxmlformats.org/markup-compatibility/2006" xmlns:p14="http://schemas.microsoft.com/office/powerpoint/2010/main">
+    <mc:Choice Requires="p14">
+      <p:transition spd="slow" p14:dur="2000"/>
+    </mc:Choice>
+    <mc:Fallback xmlns="">
+      <p:transition spd="slow"/>
+    </mc:Fallback>
+  </mc:AlternateContent>
+  <p:timing>
+    <p:tnLst>
+      <p:par>
+        <p:cTn id="1" dur="indefinite" restart="never" nodeType="tmRoot"/>
+      </p:par>
+    </p:tnLst>
+  </p:timing>
+</p:sld>
+</file>
+
+<file path=ppt/slides/slide8.xml><?xml version="1.0" encoding="utf-8"?>
+<p:sld xmlns:a="http://schemas.openxmlformats.org/drawingml/2006/main" xmlns:r="http://schemas.openxmlformats.org/officeDocument/2006/relationships" xmlns:p="http://schemas.openxmlformats.org/presentationml/2006/main">
+  <p:cSld>
+    <p:spTree>
+      <p:nvGrpSpPr>
+        <p:cNvPr id="1" name=""/>
+        <p:cNvGrpSpPr/>
+        <p:nvPr/>
+      </p:nvGrpSpPr>
+      <p:grpSpPr>
+        <a:xfrm>
+          <a:off x="0" y="0"/>
+          <a:ext cx="0" cy="0"/>
+          <a:chOff x="0" y="0"/>
+          <a:chExt cx="0" cy="0"/>
+        </a:xfrm>
+      </p:grpSpPr>
+      <p:pic>
+        <p:nvPicPr>
+          <p:cNvPr id="1026" name="Picture 2"/>
+          <p:cNvPicPr>
+            <a:picLocks noChangeAspect="1" noChangeArrowheads="1"/>
+          </p:cNvPicPr>
+          <p:nvPr/>
+        </p:nvPicPr>
+        <p:blipFill>
+          <a:blip r:embed="rId2">
+            <a:extLst>
+              <a:ext uri="{28A0092B-C50C-407E-A947-70E740481C1C}">
+                <a14:useLocalDpi xmlns:a14="http://schemas.microsoft.com/office/drawing/2010/main" val="0"/>
+              </a:ext>
+            </a:extLst>
+          </a:blip>
+          <a:srcRect/>
+          <a:stretch>
+            <a:fillRect/>
+          </a:stretch>
+        </p:blipFill>
+        <p:spPr bwMode="auto">
+          <a:xfrm>
+            <a:off x="107504" y="778048"/>
+            <a:ext cx="5087696" cy="4362922"/>
+          </a:xfrm>
+          <a:prstGeom prst="rect">
+            <a:avLst/>
+          </a:prstGeom>
+          <a:noFill/>
+          <a:ln>
+            <a:noFill/>
+          </a:ln>
+          <a:effectLst/>
+          <a:extLst>
+            <a:ext uri="{909E8E84-426E-40DD-AFC4-6F175D3DCCD1}">
+              <a14:hiddenFill xmlns:a14="http://schemas.microsoft.com/office/drawing/2010/main">
+                <a:solidFill>
+                  <a:schemeClr val="accent1"/>
+                </a:solidFill>
+              </a14:hiddenFill>
+            </a:ext>
+            <a:ext uri="{91240B29-F687-4F45-9708-019B960494DF}">
+              <a14:hiddenLine xmlns:a14="http://schemas.microsoft.com/office/drawing/2010/main" w="9525">
+                <a:solidFill>
+                  <a:schemeClr val="tx1"/>
+                </a:solidFill>
+                <a:miter lim="800000"/>
+                <a:headEnd/>
+                <a:tailEnd/>
+              </a14:hiddenLine>
+            </a:ext>
+            <a:ext uri="{AF507438-7753-43E0-B8FC-AC1667EBCBE1}">
+              <a14:hiddenEffects xmlns:a14="http://schemas.microsoft.com/office/drawing/2010/main">
+                <a:effectLst>
+                  <a:outerShdw dist="35921" dir="2700000" algn="ctr" rotWithShape="0">
+                    <a:schemeClr val="bg2"/>
+                  </a:outerShdw>
+                </a:effectLst>
+              </a14:hiddenEffects>
+            </a:ext>
+          </a:extLst>
+        </p:spPr>
+      </p:pic>
+      <p:sp>
+        <p:nvSpPr>
+          <p:cNvPr id="2" name="Title 1"/>
+          <p:cNvSpPr>
+            <a:spLocks noGrp="1"/>
+          </p:cNvSpPr>
+          <p:nvPr>
+            <p:ph type="title"/>
+          </p:nvPr>
+        </p:nvSpPr>
+        <p:spPr/>
+        <p:txBody>
+          <a:bodyPr/>
+          <a:lstStyle/>
+          <a:p>
+            <a:pPr algn="l"/>
+            <a:r>
+              <a:rPr lang="en-GB" dirty="0" smtClean="0"/>
+              <a:t>Hardware</a:t>
+            </a:r>
+            <a:endParaRPr lang="en-GB" dirty="0"/>
+          </a:p>
+        </p:txBody>
+      </p:sp>
+      <p:sp>
+        <p:nvSpPr>
+          <p:cNvPr id="5" name="Rectangle 4"/>
+          <p:cNvSpPr/>
+          <p:nvPr/>
+        </p:nvSpPr>
+        <p:spPr>
+          <a:xfrm>
+            <a:off x="5239650" y="1173882"/>
+            <a:ext cx="3825992" cy="3216265"/>
+          </a:xfrm>
+          <a:prstGeom prst="rect">
+            <a:avLst/>
+          </a:prstGeom>
+          <a:solidFill>
+            <a:schemeClr val="bg1"/>
+          </a:solidFill>
+        </p:spPr>
+        <p:txBody>
+          <a:bodyPr wrap="square">
+            <a:spAutoFit/>
+          </a:bodyPr>
+          <a:lstStyle/>
+          <a:p>
+            <a:r>
+              <a:rPr lang="en-GB" sz="700" b="1" dirty="0">
+                <a:latin typeface="Courier New" panose="02070309020205020404" pitchFamily="49" charset="0"/>
+                <a:cs typeface="Courier New" panose="02070309020205020404" pitchFamily="49" charset="0"/>
+              </a:rPr>
+              <a:t>The PICDEM 2 Plus Demonstration Board </a:t>
+            </a:r>
+            <a:endParaRPr lang="en-GB" sz="700" b="1" dirty="0" smtClean="0">
+              <a:latin typeface="Courier New" panose="02070309020205020404" pitchFamily="49" charset="0"/>
+              <a:cs typeface="Courier New" panose="02070309020205020404" pitchFamily="49" charset="0"/>
+            </a:endParaRPr>
+          </a:p>
+          <a:p>
+            <a:endParaRPr lang="en-GB" sz="700" b="1" dirty="0" smtClean="0">
+              <a:latin typeface="Courier New" panose="02070309020205020404" pitchFamily="49" charset="0"/>
+              <a:cs typeface="Courier New" panose="02070309020205020404" pitchFamily="49" charset="0"/>
+            </a:endParaRPr>
+          </a:p>
+          <a:p>
+            <a:pPr marL="228600" indent="-228600">
+              <a:buAutoNum type="arabicPeriod"/>
+            </a:pPr>
+            <a:r>
+              <a:rPr lang="en-GB" sz="700" dirty="0" smtClean="0">
+                <a:latin typeface="Courier New" panose="02070309020205020404" pitchFamily="49" charset="0"/>
+                <a:cs typeface="Courier New" panose="02070309020205020404" pitchFamily="49" charset="0"/>
+              </a:rPr>
+              <a:t>18-</a:t>
+            </a:r>
+            <a:r>
+              <a:rPr lang="en-GB" sz="700" dirty="0">
+                <a:latin typeface="Courier New" panose="02070309020205020404" pitchFamily="49" charset="0"/>
+                <a:cs typeface="Courier New" panose="02070309020205020404" pitchFamily="49" charset="0"/>
+              </a:rPr>
+              <a:t>, 28- and 40-pin DIP sockets (although three sockets are provided, only one device may be used at a time) </a:t>
+            </a:r>
+            <a:endParaRPr lang="en-GB" sz="700" dirty="0" smtClean="0">
+              <a:latin typeface="Courier New" panose="02070309020205020404" pitchFamily="49" charset="0"/>
+              <a:cs typeface="Courier New" panose="02070309020205020404" pitchFamily="49" charset="0"/>
+            </a:endParaRPr>
+          </a:p>
+          <a:p>
+            <a:pPr marL="228600" indent="-228600">
+              <a:buAutoNum type="arabicPeriod"/>
+            </a:pPr>
+            <a:r>
+              <a:rPr lang="en-GB" sz="700" dirty="0" smtClean="0">
+                <a:latin typeface="Courier New" panose="02070309020205020404" pitchFamily="49" charset="0"/>
+                <a:cs typeface="Courier New" panose="02070309020205020404" pitchFamily="49" charset="0"/>
+              </a:rPr>
+              <a:t>On-board</a:t>
+            </a:r>
+            <a:r>
+              <a:rPr lang="en-GB" sz="700" dirty="0">
+                <a:latin typeface="Courier New" panose="02070309020205020404" pitchFamily="49" charset="0"/>
+                <a:cs typeface="Courier New" panose="02070309020205020404" pitchFamily="49" charset="0"/>
+              </a:rPr>
+              <a:t>, +5V regulator for direct input from 9V, 100 mA AC/DC wall adapter or 9V battery, or hooks for a +5V, 100 mA regulated DC supply </a:t>
+            </a:r>
+            <a:endParaRPr lang="en-GB" sz="700" dirty="0" smtClean="0">
+              <a:latin typeface="Courier New" panose="02070309020205020404" pitchFamily="49" charset="0"/>
+              <a:cs typeface="Courier New" panose="02070309020205020404" pitchFamily="49" charset="0"/>
+            </a:endParaRPr>
+          </a:p>
+          <a:p>
+            <a:pPr marL="228600" indent="-228600">
+              <a:buAutoNum type="arabicPeriod"/>
+            </a:pPr>
+            <a:r>
+              <a:rPr lang="en-GB" sz="700" dirty="0" smtClean="0">
+                <a:latin typeface="Courier New" panose="02070309020205020404" pitchFamily="49" charset="0"/>
+                <a:cs typeface="Courier New" panose="02070309020205020404" pitchFamily="49" charset="0"/>
+              </a:rPr>
+              <a:t>RS-232 </a:t>
+            </a:r>
+            <a:r>
+              <a:rPr lang="en-GB" sz="700" dirty="0">
+                <a:latin typeface="Courier New" panose="02070309020205020404" pitchFamily="49" charset="0"/>
+                <a:cs typeface="Courier New" panose="02070309020205020404" pitchFamily="49" charset="0"/>
+              </a:rPr>
+              <a:t>socket and associated hardware for direct connection to an RS-232 </a:t>
+            </a:r>
+            <a:r>
+              <a:rPr lang="en-GB" sz="700" dirty="0" smtClean="0">
+                <a:latin typeface="Courier New" panose="02070309020205020404" pitchFamily="49" charset="0"/>
+                <a:cs typeface="Courier New" panose="02070309020205020404" pitchFamily="49" charset="0"/>
+              </a:rPr>
+              <a:t>interface</a:t>
+            </a:r>
+          </a:p>
+          <a:p>
+            <a:pPr marL="228600" indent="-228600">
+              <a:buAutoNum type="arabicPeriod"/>
+            </a:pPr>
+            <a:r>
+              <a:rPr lang="en-GB" sz="700" dirty="0" smtClean="0">
+                <a:latin typeface="Courier New" panose="02070309020205020404" pitchFamily="49" charset="0"/>
+                <a:cs typeface="Courier New" panose="02070309020205020404" pitchFamily="49" charset="0"/>
+              </a:rPr>
+              <a:t>Programmer/debugger </a:t>
+            </a:r>
+            <a:r>
+              <a:rPr lang="en-GB" sz="700" dirty="0">
+                <a:latin typeface="Courier New" panose="02070309020205020404" pitchFamily="49" charset="0"/>
+                <a:cs typeface="Courier New" panose="02070309020205020404" pitchFamily="49" charset="0"/>
+              </a:rPr>
+              <a:t>connectivity supporting MPLAB® ICD 3, MPLAB REAL ICE, </a:t>
+            </a:r>
+            <a:r>
+              <a:rPr lang="en-GB" sz="700" dirty="0" err="1">
+                <a:latin typeface="Courier New" panose="02070309020205020404" pitchFamily="49" charset="0"/>
+                <a:cs typeface="Courier New" panose="02070309020205020404" pitchFamily="49" charset="0"/>
+              </a:rPr>
+              <a:t>PICkit</a:t>
+            </a:r>
+            <a:r>
+              <a:rPr lang="en-GB" sz="700" dirty="0">
+                <a:latin typeface="Courier New" panose="02070309020205020404" pitchFamily="49" charset="0"/>
+                <a:cs typeface="Courier New" panose="02070309020205020404" pitchFamily="49" charset="0"/>
+              </a:rPr>
+              <a:t> </a:t>
+            </a:r>
+            <a:r>
+              <a:rPr lang="en-GB" sz="700" dirty="0" smtClean="0">
+                <a:latin typeface="Courier New" panose="02070309020205020404" pitchFamily="49" charset="0"/>
+                <a:cs typeface="Courier New" panose="02070309020205020404" pitchFamily="49" charset="0"/>
+              </a:rPr>
+              <a:t>2 </a:t>
+            </a:r>
+            <a:r>
+              <a:rPr lang="en-GB" sz="700" dirty="0">
+                <a:latin typeface="Courier New" panose="02070309020205020404" pitchFamily="49" charset="0"/>
+                <a:cs typeface="Courier New" panose="02070309020205020404" pitchFamily="49" charset="0"/>
+              </a:rPr>
+              <a:t>and </a:t>
+            </a:r>
+            <a:r>
+              <a:rPr lang="en-GB" sz="700" dirty="0" err="1">
+                <a:latin typeface="Courier New" panose="02070309020205020404" pitchFamily="49" charset="0"/>
+                <a:cs typeface="Courier New" panose="02070309020205020404" pitchFamily="49" charset="0"/>
+              </a:rPr>
+              <a:t>PICkit</a:t>
+            </a:r>
+            <a:r>
+              <a:rPr lang="en-GB" sz="700" dirty="0">
+                <a:latin typeface="Courier New" panose="02070309020205020404" pitchFamily="49" charset="0"/>
+                <a:cs typeface="Courier New" panose="02070309020205020404" pitchFamily="49" charset="0"/>
+              </a:rPr>
+              <a:t> 3 </a:t>
+            </a:r>
+            <a:endParaRPr lang="en-GB" sz="700" dirty="0" smtClean="0">
+              <a:latin typeface="Courier New" panose="02070309020205020404" pitchFamily="49" charset="0"/>
+              <a:cs typeface="Courier New" panose="02070309020205020404" pitchFamily="49" charset="0"/>
+            </a:endParaRPr>
+          </a:p>
+          <a:p>
+            <a:pPr marL="228600" indent="-228600">
+              <a:buAutoNum type="arabicPeriod"/>
+            </a:pPr>
+            <a:r>
+              <a:rPr lang="en-GB" sz="700" dirty="0" err="1" smtClean="0">
+                <a:latin typeface="Courier New" panose="02070309020205020404" pitchFamily="49" charset="0"/>
+                <a:cs typeface="Courier New" panose="02070309020205020404" pitchFamily="49" charset="0"/>
+              </a:rPr>
+              <a:t>PICkit</a:t>
+            </a:r>
+            <a:r>
+              <a:rPr lang="en-GB" sz="700" dirty="0" smtClean="0">
+                <a:latin typeface="Courier New" panose="02070309020205020404" pitchFamily="49" charset="0"/>
+                <a:cs typeface="Courier New" panose="02070309020205020404" pitchFamily="49" charset="0"/>
+              </a:rPr>
+              <a:t> </a:t>
+            </a:r>
+            <a:r>
+              <a:rPr lang="en-GB" sz="700" dirty="0">
+                <a:latin typeface="Courier New" panose="02070309020205020404" pitchFamily="49" charset="0"/>
+                <a:cs typeface="Courier New" panose="02070309020205020404" pitchFamily="49" charset="0"/>
+              </a:rPr>
+              <a:t>Serial Connector for analysis of serial communications peripherals such as SPI or I2C™ </a:t>
+            </a:r>
+            <a:endParaRPr lang="en-GB" sz="700" dirty="0" smtClean="0">
+              <a:latin typeface="Courier New" panose="02070309020205020404" pitchFamily="49" charset="0"/>
+              <a:cs typeface="Courier New" panose="02070309020205020404" pitchFamily="49" charset="0"/>
+            </a:endParaRPr>
+          </a:p>
+          <a:p>
+            <a:pPr marL="228600" indent="-228600">
+              <a:buAutoNum type="arabicPeriod"/>
+            </a:pPr>
+            <a:r>
+              <a:rPr lang="en-GB" sz="700" dirty="0" smtClean="0">
+                <a:latin typeface="Courier New" panose="02070309020205020404" pitchFamily="49" charset="0"/>
+                <a:cs typeface="Courier New" panose="02070309020205020404" pitchFamily="49" charset="0"/>
+              </a:rPr>
+              <a:t>5 k </a:t>
+            </a:r>
+            <a:r>
+              <a:rPr lang="en-GB" sz="700" dirty="0">
+                <a:latin typeface="Courier New" panose="02070309020205020404" pitchFamily="49" charset="0"/>
+                <a:cs typeface="Courier New" panose="02070309020205020404" pitchFamily="49" charset="0"/>
+              </a:rPr>
+              <a:t>pot for devices with </a:t>
+            </a:r>
+            <a:r>
+              <a:rPr lang="en-GB" sz="700" dirty="0" err="1">
+                <a:latin typeface="Courier New" panose="02070309020205020404" pitchFamily="49" charset="0"/>
+                <a:cs typeface="Courier New" panose="02070309020205020404" pitchFamily="49" charset="0"/>
+              </a:rPr>
+              <a:t>analog</a:t>
+            </a:r>
+            <a:r>
+              <a:rPr lang="en-GB" sz="700" dirty="0">
+                <a:latin typeface="Courier New" panose="02070309020205020404" pitchFamily="49" charset="0"/>
+                <a:cs typeface="Courier New" panose="02070309020205020404" pitchFamily="49" charset="0"/>
+              </a:rPr>
+              <a:t> inputs </a:t>
+            </a:r>
+            <a:endParaRPr lang="en-GB" sz="700" dirty="0" smtClean="0">
+              <a:latin typeface="Courier New" panose="02070309020205020404" pitchFamily="49" charset="0"/>
+              <a:cs typeface="Courier New" panose="02070309020205020404" pitchFamily="49" charset="0"/>
+            </a:endParaRPr>
+          </a:p>
+          <a:p>
+            <a:pPr marL="228600" indent="-228600">
+              <a:buAutoNum type="arabicPeriod"/>
+            </a:pPr>
+            <a:r>
+              <a:rPr lang="en-GB" sz="700" dirty="0" smtClean="0">
+                <a:latin typeface="Courier New" panose="02070309020205020404" pitchFamily="49" charset="0"/>
+                <a:cs typeface="Courier New" panose="02070309020205020404" pitchFamily="49" charset="0"/>
+              </a:rPr>
+              <a:t>Three </a:t>
+            </a:r>
+            <a:r>
+              <a:rPr lang="en-GB" sz="700" dirty="0">
+                <a:latin typeface="Courier New" panose="02070309020205020404" pitchFamily="49" charset="0"/>
+                <a:cs typeface="Courier New" panose="02070309020205020404" pitchFamily="49" charset="0"/>
+              </a:rPr>
+              <a:t>push button switches for external stimulus and Reset </a:t>
+            </a:r>
+            <a:endParaRPr lang="en-GB" sz="700" dirty="0" smtClean="0">
+              <a:latin typeface="Courier New" panose="02070309020205020404" pitchFamily="49" charset="0"/>
+              <a:cs typeface="Courier New" panose="02070309020205020404" pitchFamily="49" charset="0"/>
+            </a:endParaRPr>
+          </a:p>
+          <a:p>
+            <a:pPr marL="228600" indent="-228600">
+              <a:buAutoNum type="arabicPeriod"/>
+            </a:pPr>
+            <a:r>
+              <a:rPr lang="en-GB" sz="700" dirty="0" smtClean="0">
+                <a:latin typeface="Courier New" panose="02070309020205020404" pitchFamily="49" charset="0"/>
+                <a:cs typeface="Courier New" panose="02070309020205020404" pitchFamily="49" charset="0"/>
+              </a:rPr>
+              <a:t>Power-on </a:t>
+            </a:r>
+            <a:r>
+              <a:rPr lang="en-GB" sz="700" dirty="0">
+                <a:latin typeface="Courier New" panose="02070309020205020404" pitchFamily="49" charset="0"/>
+                <a:cs typeface="Courier New" panose="02070309020205020404" pitchFamily="49" charset="0"/>
+              </a:rPr>
+              <a:t>indicator LED </a:t>
+            </a:r>
+            <a:endParaRPr lang="en-GB" sz="700" dirty="0" smtClean="0">
+              <a:latin typeface="Courier New" panose="02070309020205020404" pitchFamily="49" charset="0"/>
+              <a:cs typeface="Courier New" panose="02070309020205020404" pitchFamily="49" charset="0"/>
+            </a:endParaRPr>
+          </a:p>
+          <a:p>
+            <a:pPr marL="228600" indent="-228600">
+              <a:buAutoNum type="arabicPeriod"/>
+            </a:pPr>
+            <a:r>
+              <a:rPr lang="en-GB" sz="700" dirty="0" smtClean="0">
+                <a:latin typeface="Courier New" panose="02070309020205020404" pitchFamily="49" charset="0"/>
+                <a:cs typeface="Courier New" panose="02070309020205020404" pitchFamily="49" charset="0"/>
+              </a:rPr>
+              <a:t>Four </a:t>
+            </a:r>
+            <a:r>
+              <a:rPr lang="en-GB" sz="700" dirty="0">
+                <a:latin typeface="Courier New" panose="02070309020205020404" pitchFamily="49" charset="0"/>
+                <a:cs typeface="Courier New" panose="02070309020205020404" pitchFamily="49" charset="0"/>
+              </a:rPr>
+              <a:t>LEDs connected to PORTB </a:t>
+            </a:r>
+            <a:endParaRPr lang="en-GB" sz="700" dirty="0" smtClean="0">
+              <a:latin typeface="Courier New" panose="02070309020205020404" pitchFamily="49" charset="0"/>
+              <a:cs typeface="Courier New" panose="02070309020205020404" pitchFamily="49" charset="0"/>
+            </a:endParaRPr>
+          </a:p>
+          <a:p>
+            <a:pPr marL="228600" indent="-228600">
+              <a:buAutoNum type="arabicPeriod"/>
+            </a:pPr>
+            <a:r>
+              <a:rPr lang="en-GB" sz="700" dirty="0" smtClean="0">
+                <a:latin typeface="Courier New" panose="02070309020205020404" pitchFamily="49" charset="0"/>
+                <a:cs typeface="Courier New" panose="02070309020205020404" pitchFamily="49" charset="0"/>
+              </a:rPr>
+              <a:t>On-board </a:t>
+            </a:r>
+            <a:r>
+              <a:rPr lang="en-GB" sz="700" dirty="0">
+                <a:latin typeface="Courier New" panose="02070309020205020404" pitchFamily="49" charset="0"/>
+                <a:cs typeface="Courier New" panose="02070309020205020404" pitchFamily="49" charset="0"/>
+              </a:rPr>
+              <a:t>external oscillators including: a) Unpopulated DIP socket for canned crystal oscillator (Y2) b) RC oscillator circuit (R4, C3) c) Unpopulated holes for crystal connection (Y1) d) 32.768 kHz crystal for Timer1 clock operation (Y3</a:t>
+            </a:r>
+            <a:r>
+              <a:rPr lang="en-GB" sz="700" dirty="0" smtClean="0">
+                <a:latin typeface="Courier New" panose="02070309020205020404" pitchFamily="49" charset="0"/>
+                <a:cs typeface="Courier New" panose="02070309020205020404" pitchFamily="49" charset="0"/>
+              </a:rPr>
+              <a:t>)</a:t>
+            </a:r>
+          </a:p>
+          <a:p>
+            <a:pPr marL="228600" indent="-228600">
+              <a:buAutoNum type="arabicPeriod"/>
+            </a:pPr>
+            <a:r>
+              <a:rPr lang="en-GB" sz="700" dirty="0">
+                <a:latin typeface="Courier New" panose="02070309020205020404" pitchFamily="49" charset="0"/>
+                <a:cs typeface="Courier New" panose="02070309020205020404" pitchFamily="49" charset="0"/>
+              </a:rPr>
+              <a:t>32K x 8 Serial EEPROM</a:t>
+            </a:r>
+          </a:p>
+          <a:p>
+            <a:pPr marL="228600" indent="-228600">
+              <a:buAutoNum type="arabicPeriod"/>
+            </a:pPr>
+            <a:r>
+              <a:rPr lang="en-GB" sz="700" dirty="0" smtClean="0">
+                <a:latin typeface="Courier New" panose="02070309020205020404" pitchFamily="49" charset="0"/>
+                <a:cs typeface="Courier New" panose="02070309020205020404" pitchFamily="49" charset="0"/>
+              </a:rPr>
+              <a:t>LCD </a:t>
+            </a:r>
+            <a:r>
+              <a:rPr lang="en-GB" sz="700" dirty="0">
+                <a:latin typeface="Courier New" panose="02070309020205020404" pitchFamily="49" charset="0"/>
+                <a:cs typeface="Courier New" panose="02070309020205020404" pitchFamily="49" charset="0"/>
+              </a:rPr>
+              <a:t>display</a:t>
+            </a:r>
+          </a:p>
+          <a:p>
+            <a:pPr marL="228600" indent="-228600">
+              <a:buAutoNum type="arabicPeriod"/>
+            </a:pPr>
+            <a:r>
+              <a:rPr lang="en-GB" sz="700" dirty="0" smtClean="0">
+                <a:latin typeface="Courier New" panose="02070309020205020404" pitchFamily="49" charset="0"/>
+                <a:cs typeface="Courier New" panose="02070309020205020404" pitchFamily="49" charset="0"/>
+              </a:rPr>
+              <a:t>Piezo </a:t>
+            </a:r>
+            <a:r>
+              <a:rPr lang="en-GB" sz="700" dirty="0">
+                <a:latin typeface="Courier New" panose="02070309020205020404" pitchFamily="49" charset="0"/>
+                <a:cs typeface="Courier New" panose="02070309020205020404" pitchFamily="49" charset="0"/>
+              </a:rPr>
+              <a:t>buzzer</a:t>
+            </a:r>
+          </a:p>
+          <a:p>
+            <a:pPr marL="228600" indent="-228600">
+              <a:buAutoNum type="arabicPeriod"/>
+            </a:pPr>
+            <a:r>
+              <a:rPr lang="en-GB" sz="700" dirty="0" smtClean="0">
+                <a:latin typeface="Courier New" panose="02070309020205020404" pitchFamily="49" charset="0"/>
+                <a:cs typeface="Courier New" panose="02070309020205020404" pitchFamily="49" charset="0"/>
+              </a:rPr>
+              <a:t>Prototype </a:t>
+            </a:r>
+            <a:r>
+              <a:rPr lang="en-GB" sz="700" dirty="0">
+                <a:latin typeface="Courier New" panose="02070309020205020404" pitchFamily="49" charset="0"/>
+                <a:cs typeface="Courier New" panose="02070309020205020404" pitchFamily="49" charset="0"/>
+              </a:rPr>
+              <a:t>area for user hardware</a:t>
+            </a:r>
+          </a:p>
+          <a:p>
+            <a:pPr marL="228600" indent="-228600">
+              <a:buAutoNum type="arabicPeriod"/>
+            </a:pPr>
+            <a:r>
+              <a:rPr lang="en-GB" sz="700" dirty="0" smtClean="0">
+                <a:latin typeface="Courier New" panose="02070309020205020404" pitchFamily="49" charset="0"/>
+                <a:cs typeface="Courier New" panose="02070309020205020404" pitchFamily="49" charset="0"/>
+              </a:rPr>
+              <a:t>Expansion </a:t>
+            </a:r>
+            <a:r>
+              <a:rPr lang="en-GB" sz="700" dirty="0">
+                <a:latin typeface="Courier New" panose="02070309020205020404" pitchFamily="49" charset="0"/>
+                <a:cs typeface="Courier New" panose="02070309020205020404" pitchFamily="49" charset="0"/>
+              </a:rPr>
+              <a:t>Header for </a:t>
+            </a:r>
+            <a:r>
+              <a:rPr lang="en-GB" sz="700" dirty="0" err="1">
+                <a:latin typeface="Courier New" panose="02070309020205020404" pitchFamily="49" charset="0"/>
+                <a:cs typeface="Courier New" panose="02070309020205020404" pitchFamily="49" charset="0"/>
+              </a:rPr>
+              <a:t>PICtail</a:t>
+            </a:r>
+            <a:r>
+              <a:rPr lang="en-GB" sz="700" dirty="0">
+                <a:latin typeface="Courier New" panose="02070309020205020404" pitchFamily="49" charset="0"/>
+                <a:cs typeface="Courier New" panose="02070309020205020404" pitchFamily="49" charset="0"/>
+              </a:rPr>
+              <a:t>™ daughter card connectivity or user access to</a:t>
+            </a:r>
+          </a:p>
+          <a:p>
+            <a:pPr marL="228600" indent="-228600">
+              <a:buAutoNum type="arabicPeriod"/>
+            </a:pPr>
+            <a:r>
+              <a:rPr lang="en-GB" sz="700" dirty="0" smtClean="0">
+                <a:latin typeface="Courier New" panose="02070309020205020404" pitchFamily="49" charset="0"/>
+                <a:cs typeface="Courier New" panose="02070309020205020404" pitchFamily="49" charset="0"/>
+              </a:rPr>
+              <a:t>MCUs</a:t>
+            </a:r>
+            <a:endParaRPr lang="en-GB" sz="700" dirty="0">
+              <a:latin typeface="Courier New" panose="02070309020205020404" pitchFamily="49" charset="0"/>
+              <a:cs typeface="Courier New" panose="02070309020205020404" pitchFamily="49" charset="0"/>
+            </a:endParaRPr>
+          </a:p>
+          <a:p>
+            <a:pPr marL="228600" indent="-228600">
+              <a:buAutoNum type="arabicPeriod"/>
+            </a:pPr>
+            <a:r>
+              <a:rPr lang="en-GB" sz="700" dirty="0" smtClean="0">
+                <a:latin typeface="Courier New" panose="02070309020205020404" pitchFamily="49" charset="0"/>
+                <a:cs typeface="Courier New" panose="02070309020205020404" pitchFamily="49" charset="0"/>
+              </a:rPr>
+              <a:t>Microchip </a:t>
+            </a:r>
+            <a:r>
+              <a:rPr lang="en-GB" sz="700" dirty="0">
+                <a:latin typeface="Courier New" panose="02070309020205020404" pitchFamily="49" charset="0"/>
+                <a:cs typeface="Courier New" panose="02070309020205020404" pitchFamily="49" charset="0"/>
+              </a:rPr>
+              <a:t>TC74 thermal sensor</a:t>
+            </a:r>
+          </a:p>
+        </p:txBody>
+      </p:sp>
+    </p:spTree>
+    <p:extLst>
+      <p:ext uri="{BB962C8B-B14F-4D97-AF65-F5344CB8AC3E}">
+        <p14:creationId xmlns:p14="http://schemas.microsoft.com/office/powerpoint/2010/main" val="716135618"/>
+      </p:ext>
+    </p:extLst>
+  </p:cSld>
+  <p:clrMapOvr>
+    <a:masterClrMapping/>
+  </p:clrMapOvr>
+  <mc:AlternateContent xmlns:mc="http://schemas.openxmlformats.org/markup-compatibility/2006" xmlns:p14="http://schemas.microsoft.com/office/powerpoint/2010/main">
+    <mc:Choice Requires="p14">
+      <p:transition spd="slow" p14:dur="2000"/>
+    </mc:Choice>
+    <mc:Fallback xmlns="">
+      <p:transition spd="slow"/>
+    </mc:Fallback>
+  </mc:AlternateContent>
+  <p:timing>
+    <p:tnLst>
+      <p:par>
+        <p:cTn id="1" dur="indefinite" restart="never" nodeType="tmRoot"/>
+      </p:par>
+    </p:tnLst>
+  </p:timing>
+</p:sld>
+</file>
+
+<file path=ppt/slides/slide9.xml><?xml version="1.0" encoding="utf-8"?>
+<p:sld xmlns:a="http://schemas.openxmlformats.org/drawingml/2006/main" xmlns:r="http://schemas.openxmlformats.org/officeDocument/2006/relationships" xmlns:p="http://schemas.openxmlformats.org/presentationml/2006/main">
+  <p:cSld>
+    <p:spTree>
+      <p:nvGrpSpPr>
+        <p:cNvPr id="1" name=""/>
+        <p:cNvGrpSpPr/>
+        <p:nvPr/>
+      </p:nvGrpSpPr>
+      <p:grpSpPr>
+        <a:xfrm>
+          <a:off x="0" y="0"/>
+          <a:ext cx="0" cy="0"/>
+          <a:chOff x="0" y="0"/>
+          <a:chExt cx="0" cy="0"/>
+        </a:xfrm>
+      </p:grpSpPr>
+      <p:pic>
+        <p:nvPicPr>
+          <p:cNvPr id="1026" name="Picture 2"/>
+          <p:cNvPicPr>
+            <a:picLocks noChangeAspect="1" noChangeArrowheads="1"/>
+          </p:cNvPicPr>
+          <p:nvPr/>
+        </p:nvPicPr>
+        <p:blipFill rotWithShape="1">
+          <a:blip r:embed="rId2">
+            <a:extLst>
+              <a:ext uri="{28A0092B-C50C-407E-A947-70E740481C1C}">
+                <a14:useLocalDpi xmlns:a14="http://schemas.microsoft.com/office/drawing/2010/main" val="0"/>
+              </a:ext>
+            </a:extLst>
+          </a:blip>
+          <a:srcRect l="1023" t="5968" r="4383" b="5255"/>
+          <a:stretch/>
+        </p:blipFill>
+        <p:spPr bwMode="auto">
+          <a:xfrm>
+            <a:off x="395536" y="1565285"/>
+            <a:ext cx="4810762" cy="3094622"/>
+          </a:xfrm>
+          <a:prstGeom prst="rect">
+            <a:avLst/>
+          </a:prstGeom>
+          <a:noFill/>
+          <a:ln>
+            <a:noFill/>
+          </a:ln>
+          <a:effectLst/>
+          <a:extLst>
+            <a:ext uri="{909E8E84-426E-40DD-AFC4-6F175D3DCCD1}">
+              <a14:hiddenFill xmlns:a14="http://schemas.microsoft.com/office/drawing/2010/main">
+                <a:solidFill>
+                  <a:schemeClr val="accent1"/>
+                </a:solidFill>
+              </a14:hiddenFill>
+            </a:ext>
+            <a:ext uri="{91240B29-F687-4F45-9708-019B960494DF}">
+              <a14:hiddenLine xmlns:a14="http://schemas.microsoft.com/office/drawing/2010/main" w="9525">
+                <a:solidFill>
+                  <a:schemeClr val="tx1"/>
+                </a:solidFill>
+                <a:miter lim="800000"/>
+                <a:headEnd/>
+                <a:tailEnd/>
+              </a14:hiddenLine>
+            </a:ext>
+            <a:ext uri="{AF507438-7753-43E0-B8FC-AC1667EBCBE1}">
+              <a14:hiddenEffects xmlns:a14="http://schemas.microsoft.com/office/drawing/2010/main">
+                <a:effectLst>
+                  <a:outerShdw dist="35921" dir="2700000" algn="ctr" rotWithShape="0">
+                    <a:schemeClr val="bg2"/>
+                  </a:outerShdw>
+                </a:effectLst>
+              </a14:hiddenEffects>
+            </a:ext>
+          </a:extLst>
+        </p:spPr>
+      </p:pic>
       <p:sp>
         <p:nvSpPr>
           <p:cNvPr id="2" name="Title 1"/>
@@ -12488,7 +12490,7 @@
             <a:pPr algn="l"/>
             <a:r>
               <a:rPr lang="en-GB" dirty="0" smtClean="0"/>
-              <a:t>Digital input</a:t>
+              <a:t>Hardware</a:t>
             </a:r>
             <a:endParaRPr lang="en-GB" dirty="0"/>
           </a:p>
@@ -12502,8 +12504,152 @@
         </p:nvSpPr>
         <p:spPr>
           <a:xfrm>
-            <a:off x="3398352" y="2882981"/>
-            <a:ext cx="1330902" cy="632647"/>
+            <a:off x="3203847" y="2499742"/>
+            <a:ext cx="2020463" cy="555816"/>
+          </a:xfrm>
+          <a:prstGeom prst="rect">
+            <a:avLst/>
+          </a:prstGeom>
+          <a:noFill/>
+          <a:ln>
+            <a:solidFill>
+              <a:srgbClr val="FF0000">
+                <a:alpha val="25098"/>
+              </a:srgbClr>
+            </a:solidFill>
+          </a:ln>
+        </p:spPr>
+        <p:style>
+          <a:lnRef idx="2">
+            <a:schemeClr val="accent1">
+              <a:shade val="50000"/>
+            </a:schemeClr>
+          </a:lnRef>
+          <a:fillRef idx="1">
+            <a:schemeClr val="accent1"/>
+          </a:fillRef>
+          <a:effectRef idx="0">
+            <a:schemeClr val="accent1"/>
+          </a:effectRef>
+          <a:fontRef idx="minor">
+            <a:schemeClr val="lt1"/>
+          </a:fontRef>
+        </p:style>
+        <p:txBody>
+          <a:bodyPr rtlCol="0" anchor="ctr"/>
+          <a:lstStyle/>
+          <a:p>
+            <a:pPr algn="ctr"/>
+            <a:endParaRPr lang="en-GB" dirty="0"/>
+          </a:p>
+        </p:txBody>
+      </p:sp>
+      <p:sp>
+        <p:nvSpPr>
+          <p:cNvPr id="11" name="Rectangle 10"/>
+          <p:cNvSpPr/>
+          <p:nvPr/>
+        </p:nvSpPr>
+        <p:spPr>
+          <a:xfrm>
+            <a:off x="355276" y="2131057"/>
+            <a:ext cx="2372758" cy="144016"/>
+          </a:xfrm>
+          <a:prstGeom prst="rect">
+            <a:avLst/>
+          </a:prstGeom>
+          <a:noFill/>
+          <a:ln>
+            <a:solidFill>
+              <a:srgbClr val="FF0000">
+                <a:alpha val="25098"/>
+              </a:srgbClr>
+            </a:solidFill>
+          </a:ln>
+        </p:spPr>
+        <p:style>
+          <a:lnRef idx="2">
+            <a:schemeClr val="accent1">
+              <a:shade val="50000"/>
+            </a:schemeClr>
+          </a:lnRef>
+          <a:fillRef idx="1">
+            <a:schemeClr val="accent1"/>
+          </a:fillRef>
+          <a:effectRef idx="0">
+            <a:schemeClr val="accent1"/>
+          </a:effectRef>
+          <a:fontRef idx="minor">
+            <a:schemeClr val="lt1"/>
+          </a:fontRef>
+        </p:style>
+        <p:txBody>
+          <a:bodyPr rtlCol="0" anchor="ctr"/>
+          <a:lstStyle/>
+          <a:p>
+            <a:pPr algn="ctr"/>
+            <a:endParaRPr lang="en-GB" dirty="0"/>
+          </a:p>
+        </p:txBody>
+      </p:sp>
+      <p:sp>
+        <p:nvSpPr>
+          <p:cNvPr id="13" name="Rectangle 12"/>
+          <p:cNvSpPr/>
+          <p:nvPr/>
+        </p:nvSpPr>
+        <p:spPr>
+          <a:xfrm>
+            <a:off x="945664" y="2657840"/>
+            <a:ext cx="1776681" cy="144016"/>
+          </a:xfrm>
+          <a:prstGeom prst="rect">
+            <a:avLst/>
+          </a:prstGeom>
+          <a:noFill/>
+          <a:ln>
+            <a:solidFill>
+              <a:srgbClr val="FF0000">
+                <a:alpha val="25098"/>
+              </a:srgbClr>
+            </a:solidFill>
+          </a:ln>
+        </p:spPr>
+        <p:style>
+          <a:lnRef idx="2">
+            <a:schemeClr val="accent1">
+              <a:shade val="50000"/>
+            </a:schemeClr>
+          </a:lnRef>
+          <a:fillRef idx="1">
+            <a:schemeClr val="accent1"/>
+          </a:fillRef>
+          <a:effectRef idx="0">
+            <a:schemeClr val="accent1"/>
+          </a:effectRef>
+          <a:fontRef idx="minor">
+            <a:schemeClr val="lt1"/>
+          </a:fontRef>
+        </p:style>
+        <p:txBody>
+          <a:bodyPr rtlCol="0" anchor="ctr"/>
+          <a:lstStyle/>
+          <a:p>
+            <a:pPr algn="ctr"/>
+            <a:endParaRPr lang="en-GB" dirty="0"/>
+          </a:p>
+        </p:txBody>
+      </p:sp>
+      <p:sp>
+        <p:nvSpPr>
+          <p:cNvPr id="22" name="Rectangle 21"/>
+          <p:cNvSpPr/>
+          <p:nvPr/>
+        </p:nvSpPr>
+        <p:spPr>
+          <a:xfrm>
+            <a:off x="952232" y="1971555"/>
+            <a:ext cx="1776681" cy="144016"/>
           </a:xfrm>
           <a:prstGeom prst="rect">
             <a:avLst/>
@@ -12542,106 +12688,58 @@
       </p:sp>
       <p:sp>
         <p:nvSpPr>
-          <p:cNvPr id="11" name="Rectangle 10"/>
-          <p:cNvSpPr/>
+          <p:cNvPr id="23" name="TextBox 22"/>
+          <p:cNvSpPr txBox="1"/>
           <p:nvPr/>
         </p:nvSpPr>
         <p:spPr>
           <a:xfrm>
-            <a:off x="1639443" y="2393146"/>
-            <a:ext cx="1368152" cy="144016"/>
+            <a:off x="1463972" y="1613890"/>
+            <a:ext cx="744114" cy="353943"/>
           </a:xfrm>
           <a:prstGeom prst="rect">
             <a:avLst/>
           </a:prstGeom>
           <a:noFill/>
-          <a:ln>
-            <a:solidFill>
-              <a:srgbClr val="FF0000"/>
-            </a:solidFill>
-          </a:ln>
         </p:spPr>
-        <p:style>
-          <a:lnRef idx="2">
-            <a:schemeClr val="accent1">
-              <a:shade val="50000"/>
-            </a:schemeClr>
-          </a:lnRef>
-          <a:fillRef idx="1">
-            <a:schemeClr val="accent1"/>
-          </a:fillRef>
-          <a:effectRef idx="0">
-            <a:schemeClr val="accent1"/>
-          </a:effectRef>
-          <a:fontRef idx="minor">
-            <a:schemeClr val="lt1"/>
-          </a:fontRef>
-        </p:style>
-        <p:txBody>
-          <a:bodyPr rtlCol="0" anchor="ctr"/>
+        <p:txBody>
+          <a:bodyPr wrap="none" rtlCol="0">
+            <a:spAutoFit/>
+          </a:bodyPr>
           <a:lstStyle/>
           <a:p>
-            <a:pPr algn="ctr"/>
-            <a:endParaRPr lang="en-GB" dirty="0"/>
-          </a:p>
-        </p:txBody>
-      </p:sp>
-      <p:sp>
-        <p:nvSpPr>
-          <p:cNvPr id="13" name="Rectangle 12"/>
-          <p:cNvSpPr/>
-          <p:nvPr/>
-        </p:nvSpPr>
-        <p:spPr>
-          <a:xfrm>
-            <a:off x="1646238" y="2877526"/>
-            <a:ext cx="1368152" cy="144016"/>
-          </a:xfrm>
-          <a:prstGeom prst="rect">
-            <a:avLst/>
-          </a:prstGeom>
-          <a:noFill/>
-          <a:ln>
-            <a:solidFill>
-              <a:srgbClr val="FF0000"/>
-            </a:solidFill>
-          </a:ln>
-        </p:spPr>
-        <p:style>
-          <a:lnRef idx="2">
-            <a:schemeClr val="accent1">
-              <a:shade val="50000"/>
-            </a:schemeClr>
-          </a:lnRef>
-          <a:fillRef idx="1">
-            <a:schemeClr val="accent1"/>
-          </a:fillRef>
-          <a:effectRef idx="0">
-            <a:schemeClr val="accent1"/>
-          </a:effectRef>
-          <a:fontRef idx="minor">
-            <a:schemeClr val="lt1"/>
-          </a:fontRef>
-        </p:style>
-        <p:txBody>
-          <a:bodyPr rtlCol="0" anchor="ctr"/>
-          <a:lstStyle/>
-          <a:p>
-            <a:pPr algn="ctr"/>
-            <a:endParaRPr lang="en-GB" dirty="0"/>
+            <a:r>
+              <a:rPr lang="en-GB" b="1" dirty="0" smtClean="0">
+                <a:solidFill>
+                  <a:srgbClr val="FF0000"/>
+                </a:solidFill>
+              </a:rPr>
+              <a:t>MCLR</a:t>
+            </a:r>
+            <a:endParaRPr lang="en-GB" b="1" dirty="0">
+              <a:solidFill>
+                <a:srgbClr val="FF0000"/>
+              </a:solidFill>
+            </a:endParaRPr>
           </a:p>
         </p:txBody>
       </p:sp>
       <p:pic>
         <p:nvPicPr>
-          <p:cNvPr id="14" name="Picture 2"/>
+          <p:cNvPr id="4" name="Picture 2"/>
           <p:cNvPicPr>
             <a:picLocks noChangeAspect="1" noChangeArrowheads="1"/>
           </p:cNvPicPr>
           <p:nvPr/>
         </p:nvPicPr>
         <p:blipFill>
-          <a:blip r:embed="rId3" cstate="print"/>
+          <a:blip r:embed="rId3">
+            <a:extLst>
+              <a:ext uri="{28A0092B-C50C-407E-A947-70E740481C1C}">
+                <a14:useLocalDpi xmlns:a14="http://schemas.microsoft.com/office/drawing/2010/main" val="0"/>
+              </a:ext>
+            </a:extLst>
+          </a:blip>
           <a:srcRect/>
           <a:stretch>
             <a:fillRect/>
@@ -12649,327 +12747,51 @@
         </p:blipFill>
         <p:spPr bwMode="auto">
           <a:xfrm>
-            <a:off x="6026986" y="2440971"/>
-            <a:ext cx="3056087" cy="2643758"/>
-          </a:xfrm>
-          <a:prstGeom prst="rect">
-            <a:avLst/>
-          </a:prstGeom>
-          <a:noFill/>
-          <a:ln w="9525">
-            <a:noFill/>
-            <a:miter lim="800000"/>
-            <a:headEnd/>
-            <a:tailEnd/>
-          </a:ln>
-          <a:effectLst/>
-        </p:spPr>
-      </p:pic>
-      <p:sp>
-        <p:nvSpPr>
-          <p:cNvPr id="15" name="Rectangle 14"/>
-          <p:cNvSpPr/>
-          <p:nvPr/>
-        </p:nvSpPr>
-        <p:spPr>
-          <a:xfrm>
-            <a:off x="1646238" y="2221354"/>
-            <a:ext cx="1368152" cy="144016"/>
+            <a:off x="5508104" y="2509367"/>
+            <a:ext cx="3391706" cy="2270780"/>
           </a:xfrm>
           <a:prstGeom prst="rect">
             <a:avLst/>
           </a:prstGeom>
           <a:noFill/>
           <a:ln>
-            <a:solidFill>
-              <a:srgbClr val="FF0000"/>
-            </a:solidFill>
-          </a:ln>
-        </p:spPr>
-        <p:style>
-          <a:lnRef idx="2">
-            <a:schemeClr val="accent1">
-              <a:shade val="50000"/>
-            </a:schemeClr>
-          </a:lnRef>
-          <a:fillRef idx="1">
-            <a:schemeClr val="accent1"/>
-          </a:fillRef>
-          <a:effectRef idx="0">
-            <a:schemeClr val="accent1"/>
-          </a:effectRef>
-          <a:fontRef idx="minor">
-            <a:schemeClr val="lt1"/>
-          </a:fontRef>
-        </p:style>
-        <p:txBody>
-          <a:bodyPr rtlCol="0" anchor="ctr"/>
-          <a:lstStyle/>
-          <a:p>
-            <a:pPr algn="ctr"/>
-            <a:endParaRPr lang="en-GB" dirty="0"/>
-          </a:p>
-        </p:txBody>
-      </p:sp>
-      <p:sp>
-        <p:nvSpPr>
-          <p:cNvPr id="16" name="TextBox 15"/>
-          <p:cNvSpPr txBox="1"/>
-          <p:nvPr/>
-        </p:nvSpPr>
-        <p:spPr>
-          <a:xfrm>
-            <a:off x="881415" y="2102481"/>
-            <a:ext cx="829073" cy="353943"/>
-          </a:xfrm>
-          <a:prstGeom prst="rect">
-            <a:avLst/>
-          </a:prstGeom>
-          <a:noFill/>
-        </p:spPr>
-        <p:txBody>
-          <a:bodyPr wrap="none" rtlCol="0">
-            <a:spAutoFit/>
-          </a:bodyPr>
-          <a:lstStyle/>
-          <a:p>
-            <a:r>
-              <a:rPr lang="en-GB" b="1" dirty="0" smtClean="0">
-                <a:solidFill>
-                  <a:srgbClr val="FF0000"/>
-                </a:solidFill>
-              </a:rPr>
-              <a:t>Switch</a:t>
-            </a:r>
-            <a:endParaRPr lang="en-GB" b="1" dirty="0">
-              <a:solidFill>
-                <a:srgbClr val="FF0000"/>
-              </a:solidFill>
-            </a:endParaRPr>
-          </a:p>
-        </p:txBody>
-      </p:sp>
-      <p:sp>
-        <p:nvSpPr>
-          <p:cNvPr id="4" name="Rectangle 3"/>
-          <p:cNvSpPr/>
-          <p:nvPr/>
-        </p:nvSpPr>
-        <p:spPr>
-          <a:xfrm>
-            <a:off x="5436096" y="4011910"/>
-            <a:ext cx="3646977" cy="1125038"/>
-          </a:xfrm>
-          <a:prstGeom prst="rect">
-            <a:avLst/>
-          </a:prstGeom>
-          <a:solidFill>
-            <a:schemeClr val="bg1"/>
-          </a:solidFill>
-          <a:ln>
             <a:noFill/>
           </a:ln>
+          <a:effectLst/>
+          <a:extLst>
+            <a:ext uri="{909E8E84-426E-40DD-AFC4-6F175D3DCCD1}">
+              <a14:hiddenFill xmlns:a14="http://schemas.microsoft.com/office/drawing/2010/main">
+                <a:solidFill>
+                  <a:schemeClr val="accent1"/>
+                </a:solidFill>
+              </a14:hiddenFill>
+            </a:ext>
+            <a:ext uri="{91240B29-F687-4F45-9708-019B960494DF}">
+              <a14:hiddenLine xmlns:a14="http://schemas.microsoft.com/office/drawing/2010/main" w="9525">
+                <a:solidFill>
+                  <a:schemeClr val="tx1"/>
+                </a:solidFill>
+                <a:miter lim="800000"/>
+                <a:headEnd/>
+                <a:tailEnd/>
+              </a14:hiddenLine>
+            </a:ext>
+            <a:ext uri="{AF507438-7753-43E0-B8FC-AC1667EBCBE1}">
+              <a14:hiddenEffects xmlns:a14="http://schemas.microsoft.com/office/drawing/2010/main">
+                <a:effectLst>
+                  <a:outerShdw dist="35921" dir="2700000" algn="ctr" rotWithShape="0">
+                    <a:schemeClr val="bg2"/>
+                  </a:outerShdw>
+                </a:effectLst>
+              </a14:hiddenEffects>
+            </a:ext>
+          </a:extLst>
         </p:spPr>
-        <p:style>
-          <a:lnRef idx="2">
-            <a:schemeClr val="accent1">
-              <a:shade val="50000"/>
-            </a:schemeClr>
-          </a:lnRef>
-          <a:fillRef idx="1">
-            <a:schemeClr val="accent1"/>
-          </a:fillRef>
-          <a:effectRef idx="0">
-            <a:schemeClr val="accent1"/>
-          </a:effectRef>
-          <a:fontRef idx="minor">
-            <a:schemeClr val="lt1"/>
-          </a:fontRef>
-        </p:style>
-        <p:txBody>
-          <a:bodyPr rtlCol="0" anchor="ctr"/>
-          <a:lstStyle/>
-          <a:p>
-            <a:pPr algn="ctr"/>
-            <a:endParaRPr lang="en-GB"/>
-          </a:p>
-        </p:txBody>
-      </p:sp>
-      <p:sp>
-        <p:nvSpPr>
-          <p:cNvPr id="17" name="Rectangle 16"/>
-          <p:cNvSpPr/>
-          <p:nvPr/>
-        </p:nvSpPr>
-        <p:spPr>
-          <a:xfrm>
-            <a:off x="6372200" y="3651870"/>
-            <a:ext cx="1081685" cy="1216835"/>
-          </a:xfrm>
-          <a:prstGeom prst="rect">
-            <a:avLst/>
-          </a:prstGeom>
-          <a:solidFill>
-            <a:schemeClr val="bg1"/>
-          </a:solidFill>
-          <a:ln>
-            <a:noFill/>
-          </a:ln>
-        </p:spPr>
-        <p:style>
-          <a:lnRef idx="2">
-            <a:schemeClr val="accent1">
-              <a:shade val="50000"/>
-            </a:schemeClr>
-          </a:lnRef>
-          <a:fillRef idx="1">
-            <a:schemeClr val="accent1"/>
-          </a:fillRef>
-          <a:effectRef idx="0">
-            <a:schemeClr val="accent1"/>
-          </a:effectRef>
-          <a:fontRef idx="minor">
-            <a:schemeClr val="lt1"/>
-          </a:fontRef>
-        </p:style>
-        <p:txBody>
-          <a:bodyPr rtlCol="0" anchor="ctr"/>
-          <a:lstStyle/>
-          <a:p>
-            <a:pPr algn="ctr"/>
-            <a:endParaRPr lang="en-GB"/>
-          </a:p>
-        </p:txBody>
-      </p:sp>
-      <p:cxnSp>
-        <p:nvCxnSpPr>
-          <p:cNvPr id="6" name="Straight Connector 5"/>
-          <p:cNvCxnSpPr/>
-          <p:nvPr/>
-        </p:nvCxnSpPr>
-        <p:spPr>
-          <a:xfrm flipV="1">
-            <a:off x="6300192" y="3861447"/>
-            <a:ext cx="1277097" cy="6447"/>
-          </a:xfrm>
-          <a:prstGeom prst="line">
-            <a:avLst/>
-          </a:prstGeom>
-          <a:ln>
-            <a:solidFill>
-              <a:schemeClr val="tx1"/>
-            </a:solidFill>
-          </a:ln>
-        </p:spPr>
-        <p:style>
-          <a:lnRef idx="1">
-            <a:schemeClr val="accent1"/>
-          </a:lnRef>
-          <a:fillRef idx="0">
-            <a:schemeClr val="accent1"/>
-          </a:fillRef>
-          <a:effectRef idx="0">
-            <a:schemeClr val="accent1"/>
-          </a:effectRef>
-          <a:fontRef idx="minor">
-            <a:schemeClr val="tx1"/>
-          </a:fontRef>
-        </p:style>
-      </p:cxnSp>
-      <p:sp>
-        <p:nvSpPr>
-          <p:cNvPr id="18" name="Rectangle 17"/>
-          <p:cNvSpPr/>
-          <p:nvPr/>
-        </p:nvSpPr>
-        <p:spPr>
-          <a:xfrm>
-            <a:off x="7588946" y="3727585"/>
-            <a:ext cx="1081685" cy="1216835"/>
-          </a:xfrm>
-          <a:prstGeom prst="rect">
-            <a:avLst/>
-          </a:prstGeom>
-          <a:solidFill>
-            <a:schemeClr val="bg1"/>
-          </a:solidFill>
-          <a:ln>
-            <a:noFill/>
-          </a:ln>
-        </p:spPr>
-        <p:style>
-          <a:lnRef idx="2">
-            <a:schemeClr val="accent1">
-              <a:shade val="50000"/>
-            </a:schemeClr>
-          </a:lnRef>
-          <a:fillRef idx="1">
-            <a:schemeClr val="accent1"/>
-          </a:fillRef>
-          <a:effectRef idx="0">
-            <a:schemeClr val="accent1"/>
-          </a:effectRef>
-          <a:fontRef idx="minor">
-            <a:schemeClr val="lt1"/>
-          </a:fontRef>
-        </p:style>
-        <p:txBody>
-          <a:bodyPr rtlCol="0" anchor="ctr"/>
-          <a:lstStyle/>
-          <a:p>
-            <a:pPr algn="ctr"/>
-            <a:endParaRPr lang="en-GB"/>
-          </a:p>
-        </p:txBody>
-      </p:sp>
-      <p:sp>
-        <p:nvSpPr>
-          <p:cNvPr id="8" name="Pentagon 7"/>
-          <p:cNvSpPr/>
-          <p:nvPr/>
-        </p:nvSpPr>
-        <p:spPr>
-          <a:xfrm>
-            <a:off x="6167611" y="2883342"/>
-            <a:ext cx="360040" cy="134372"/>
-          </a:xfrm>
-          <a:prstGeom prst="homePlate">
-            <a:avLst/>
-          </a:prstGeom>
-        </p:spPr>
-        <p:style>
-          <a:lnRef idx="2">
-            <a:schemeClr val="accent1">
-              <a:shade val="50000"/>
-            </a:schemeClr>
-          </a:lnRef>
-          <a:fillRef idx="1">
-            <a:schemeClr val="accent1"/>
-          </a:fillRef>
-          <a:effectRef idx="0">
-            <a:schemeClr val="accent1"/>
-          </a:effectRef>
-          <a:fontRef idx="minor">
-            <a:schemeClr val="lt1"/>
-          </a:fontRef>
-        </p:style>
-        <p:txBody>
-          <a:bodyPr rtlCol="0" anchor="ctr"/>
-          <a:lstStyle/>
-          <a:p>
-            <a:pPr algn="ctr"/>
-            <a:r>
-              <a:rPr lang="en-GB" sz="700" dirty="0" smtClean="0"/>
-              <a:t>RE3</a:t>
-            </a:r>
-            <a:endParaRPr lang="en-GB" dirty="0"/>
-          </a:p>
-        </p:txBody>
-      </p:sp>
+      </p:pic>
     </p:spTree>
     <p:extLst>
       <p:ext uri="{BB962C8B-B14F-4D97-AF65-F5344CB8AC3E}">
-        <p14:creationId xmlns:p14="http://schemas.microsoft.com/office/powerpoint/2010/main" val="1407943707"/>
+        <p14:creationId xmlns:p14="http://schemas.microsoft.com/office/powerpoint/2010/main" val="1695513607"/>
       </p:ext>
     </p:extLst>
   </p:cSld>
@@ -13755,47 +13577,4 @@
   <a:objectDefaults/>
   <a:extraClrSchemeLst/>
 </a:theme>
-</file>
-
-<file path=ppt/theme/themeOverride1.xml><?xml version="1.0" encoding="utf-8"?>
-<a:themeOverride xmlns:a="http://schemas.openxmlformats.org/drawingml/2006/main">
-  <a:clrScheme name="Blue">
-    <a:dk1>
-      <a:sysClr val="windowText" lastClr="000000"/>
-    </a:dk1>
-    <a:lt1>
-      <a:sysClr val="window" lastClr="FFFFFF"/>
-    </a:lt1>
-    <a:dk2>
-      <a:srgbClr val="17406D"/>
-    </a:dk2>
-    <a:lt2>
-      <a:srgbClr val="DBEFF9"/>
-    </a:lt2>
-    <a:accent1>
-      <a:srgbClr val="0F6FC6"/>
-    </a:accent1>
-    <a:accent2>
-      <a:srgbClr val="009DD9"/>
-    </a:accent2>
-    <a:accent3>
-      <a:srgbClr val="0BD0D9"/>
-    </a:accent3>
-    <a:accent4>
-      <a:srgbClr val="10CF9B"/>
-    </a:accent4>
-    <a:accent5>
-      <a:srgbClr val="7CCA62"/>
-    </a:accent5>
-    <a:accent6>
-      <a:srgbClr val="A5C249"/>
-    </a:accent6>
-    <a:hlink>
-      <a:srgbClr val="F49100"/>
-    </a:hlink>
-    <a:folHlink>
-      <a:srgbClr val="85DFD0"/>
-    </a:folHlink>
-  </a:clrScheme>
-</a:themeOverride>
 </file>